--- a/Global Warming.pptx
+++ b/Global Warming.pptx
@@ -204,7 +204,7 @@
           <a:p>
             <a:fld id="{4BE72866-53C3-4DB3-89BA-F2EDA4C22490}" type="datetimeFigureOut">
               <a:rPr lang="en-US" smtClean="0"/>
-              <a:t>12/5/19</a:t>
+              <a:t>12/8/19</a:t>
             </a:fld>
             <a:endParaRPr lang="en-US"/>
           </a:p>
@@ -1078,7 +1078,7 @@
           <a:p>
             <a:fld id="{B4AC1540-130D-412D-848A-3E8539D07D89}" type="datetimeFigureOut">
               <a:rPr lang="en-US" smtClean="0"/>
-              <a:t>12/5/19</a:t>
+              <a:t>12/8/19</a:t>
             </a:fld>
             <a:endParaRPr lang="en-US"/>
           </a:p>
@@ -1246,7 +1246,7 @@
           <a:p>
             <a:fld id="{B4AC1540-130D-412D-848A-3E8539D07D89}" type="datetimeFigureOut">
               <a:rPr lang="en-US" smtClean="0"/>
-              <a:t>12/5/19</a:t>
+              <a:t>12/8/19</a:t>
             </a:fld>
             <a:endParaRPr lang="en-US"/>
           </a:p>
@@ -1424,7 +1424,7 @@
           <a:p>
             <a:fld id="{B4AC1540-130D-412D-848A-3E8539D07D89}" type="datetimeFigureOut">
               <a:rPr lang="en-US" smtClean="0"/>
-              <a:t>12/5/19</a:t>
+              <a:t>12/8/19</a:t>
             </a:fld>
             <a:endParaRPr lang="en-US"/>
           </a:p>
@@ -1592,7 +1592,7 @@
           <a:p>
             <a:fld id="{B4AC1540-130D-412D-848A-3E8539D07D89}" type="datetimeFigureOut">
               <a:rPr lang="en-US" smtClean="0"/>
-              <a:t>12/5/19</a:t>
+              <a:t>12/8/19</a:t>
             </a:fld>
             <a:endParaRPr lang="en-US"/>
           </a:p>
@@ -1837,7 +1837,7 @@
           <a:p>
             <a:fld id="{B4AC1540-130D-412D-848A-3E8539D07D89}" type="datetimeFigureOut">
               <a:rPr lang="en-US" smtClean="0"/>
-              <a:t>12/5/19</a:t>
+              <a:t>12/8/19</a:t>
             </a:fld>
             <a:endParaRPr lang="en-US"/>
           </a:p>
@@ -2066,7 +2066,7 @@
           <a:p>
             <a:fld id="{B4AC1540-130D-412D-848A-3E8539D07D89}" type="datetimeFigureOut">
               <a:rPr lang="en-US" smtClean="0"/>
-              <a:t>12/5/19</a:t>
+              <a:t>12/8/19</a:t>
             </a:fld>
             <a:endParaRPr lang="en-US"/>
           </a:p>
@@ -2430,7 +2430,7 @@
           <a:p>
             <a:fld id="{B4AC1540-130D-412D-848A-3E8539D07D89}" type="datetimeFigureOut">
               <a:rPr lang="en-US" smtClean="0"/>
-              <a:t>12/5/19</a:t>
+              <a:t>12/8/19</a:t>
             </a:fld>
             <a:endParaRPr lang="en-US"/>
           </a:p>
@@ -2547,7 +2547,7 @@
           <a:p>
             <a:fld id="{B4AC1540-130D-412D-848A-3E8539D07D89}" type="datetimeFigureOut">
               <a:rPr lang="en-US" smtClean="0"/>
-              <a:t>12/5/19</a:t>
+              <a:t>12/8/19</a:t>
             </a:fld>
             <a:endParaRPr lang="en-US"/>
           </a:p>
@@ -2642,7 +2642,7 @@
           <a:p>
             <a:fld id="{B4AC1540-130D-412D-848A-3E8539D07D89}" type="datetimeFigureOut">
               <a:rPr lang="en-US" smtClean="0"/>
-              <a:t>12/5/19</a:t>
+              <a:t>12/8/19</a:t>
             </a:fld>
             <a:endParaRPr lang="en-US"/>
           </a:p>
@@ -2917,7 +2917,7 @@
           <a:p>
             <a:fld id="{B4AC1540-130D-412D-848A-3E8539D07D89}" type="datetimeFigureOut">
               <a:rPr lang="en-US" smtClean="0"/>
-              <a:t>12/5/19</a:t>
+              <a:t>12/8/19</a:t>
             </a:fld>
             <a:endParaRPr lang="en-US"/>
           </a:p>
@@ -3169,7 +3169,7 @@
           <a:p>
             <a:fld id="{B4AC1540-130D-412D-848A-3E8539D07D89}" type="datetimeFigureOut">
               <a:rPr lang="en-US" smtClean="0"/>
-              <a:t>12/5/19</a:t>
+              <a:t>12/8/19</a:t>
             </a:fld>
             <a:endParaRPr lang="en-US"/>
           </a:p>
@@ -3380,7 +3380,7 @@
           <a:p>
             <a:fld id="{B4AC1540-130D-412D-848A-3E8539D07D89}" type="datetimeFigureOut">
               <a:rPr lang="en-US" smtClean="0"/>
-              <a:t>12/5/19</a:t>
+              <a:t>12/8/19</a:t>
             </a:fld>
             <a:endParaRPr lang="en-US"/>
           </a:p>
@@ -4333,9 +4333,12 @@
           </a:p>
           <a:p>
             <a:r>
-              <a:rPr lang="en-US" dirty="0"/>
-              <a:t>LINK MARKDOWN FILE</a:t>
-            </a:r>
+              <a:rPr lang="en-US" dirty="0">
+                <a:hlinkClick r:id="rId3"/>
+              </a:rPr>
+              <a:t>EDA</a:t>
+            </a:r>
+            <a:endParaRPr lang="en-US" dirty="0"/>
           </a:p>
         </p:txBody>
       </p:sp>
@@ -4425,9 +4428,12 @@
           </a:p>
           <a:p>
             <a:r>
-              <a:rPr lang="en-US" dirty="0"/>
-              <a:t>LINK ANALYSIS</a:t>
-            </a:r>
+              <a:rPr lang="en-US" dirty="0">
+                <a:hlinkClick r:id="rId3"/>
+              </a:rPr>
+              <a:t>ANALYSIS</a:t>
+            </a:r>
+            <a:endParaRPr lang="en-US" dirty="0"/>
           </a:p>
           <a:p>
             <a:endParaRPr lang="en-US" dirty="0"/>

--- a/Global Warming.pptx
+++ b/Global Warming.pptx
@@ -2,7 +2,7 @@
 <file path=ppt/presentation.xml><?xml version="1.0" encoding="utf-8"?>
 <p:presentation xmlns:a="http://schemas.openxmlformats.org/drawingml/2006/main" xmlns:r="http://schemas.openxmlformats.org/officeDocument/2006/relationships" xmlns:p="http://schemas.openxmlformats.org/presentationml/2006/main" saveSubsetFonts="1">
   <p:sldMasterIdLst>
-    <p:sldMasterId id="2147483648" r:id="rId1"/>
+    <p:sldMasterId id="2147483672" r:id="rId1"/>
   </p:sldMasterIdLst>
   <p:notesMasterIdLst>
     <p:notesMasterId r:id="rId10"/>
@@ -23,7 +23,7 @@
     <a:defPPr>
       <a:defRPr lang="en-US"/>
     </a:defPPr>
-    <a:lvl1pPr marL="0" algn="l" defTabSz="914400" rtl="0" eaLnBrk="1" latinLnBrk="0" hangingPunct="1">
+    <a:lvl1pPr marL="0" algn="l" defTabSz="457200" rtl="0" eaLnBrk="1" latinLnBrk="0" hangingPunct="1">
       <a:defRPr sz="1800" kern="1200">
         <a:solidFill>
           <a:schemeClr val="tx1"/>
@@ -33,7 +33,7 @@
         <a:cs typeface="+mn-cs"/>
       </a:defRPr>
     </a:lvl1pPr>
-    <a:lvl2pPr marL="457200" algn="l" defTabSz="914400" rtl="0" eaLnBrk="1" latinLnBrk="0" hangingPunct="1">
+    <a:lvl2pPr marL="457200" algn="l" defTabSz="457200" rtl="0" eaLnBrk="1" latinLnBrk="0" hangingPunct="1">
       <a:defRPr sz="1800" kern="1200">
         <a:solidFill>
           <a:schemeClr val="tx1"/>
@@ -43,7 +43,7 @@
         <a:cs typeface="+mn-cs"/>
       </a:defRPr>
     </a:lvl2pPr>
-    <a:lvl3pPr marL="914400" algn="l" defTabSz="914400" rtl="0" eaLnBrk="1" latinLnBrk="0" hangingPunct="1">
+    <a:lvl3pPr marL="914400" algn="l" defTabSz="457200" rtl="0" eaLnBrk="1" latinLnBrk="0" hangingPunct="1">
       <a:defRPr sz="1800" kern="1200">
         <a:solidFill>
           <a:schemeClr val="tx1"/>
@@ -53,7 +53,7 @@
         <a:cs typeface="+mn-cs"/>
       </a:defRPr>
     </a:lvl3pPr>
-    <a:lvl4pPr marL="1371600" algn="l" defTabSz="914400" rtl="0" eaLnBrk="1" latinLnBrk="0" hangingPunct="1">
+    <a:lvl4pPr marL="1371600" algn="l" defTabSz="457200" rtl="0" eaLnBrk="1" latinLnBrk="0" hangingPunct="1">
       <a:defRPr sz="1800" kern="1200">
         <a:solidFill>
           <a:schemeClr val="tx1"/>
@@ -63,7 +63,7 @@
         <a:cs typeface="+mn-cs"/>
       </a:defRPr>
     </a:lvl4pPr>
-    <a:lvl5pPr marL="1828800" algn="l" defTabSz="914400" rtl="0" eaLnBrk="1" latinLnBrk="0" hangingPunct="1">
+    <a:lvl5pPr marL="1828800" algn="l" defTabSz="457200" rtl="0" eaLnBrk="1" latinLnBrk="0" hangingPunct="1">
       <a:defRPr sz="1800" kern="1200">
         <a:solidFill>
           <a:schemeClr val="tx1"/>
@@ -73,7 +73,7 @@
         <a:cs typeface="+mn-cs"/>
       </a:defRPr>
     </a:lvl5pPr>
-    <a:lvl6pPr marL="2286000" algn="l" defTabSz="914400" rtl="0" eaLnBrk="1" latinLnBrk="0" hangingPunct="1">
+    <a:lvl6pPr marL="2286000" algn="l" defTabSz="457200" rtl="0" eaLnBrk="1" latinLnBrk="0" hangingPunct="1">
       <a:defRPr sz="1800" kern="1200">
         <a:solidFill>
           <a:schemeClr val="tx1"/>
@@ -83,7 +83,7 @@
         <a:cs typeface="+mn-cs"/>
       </a:defRPr>
     </a:lvl6pPr>
-    <a:lvl7pPr marL="2743200" algn="l" defTabSz="914400" rtl="0" eaLnBrk="1" latinLnBrk="0" hangingPunct="1">
+    <a:lvl7pPr marL="2743200" algn="l" defTabSz="457200" rtl="0" eaLnBrk="1" latinLnBrk="0" hangingPunct="1">
       <a:defRPr sz="1800" kern="1200">
         <a:solidFill>
           <a:schemeClr val="tx1"/>
@@ -93,7 +93,7 @@
         <a:cs typeface="+mn-cs"/>
       </a:defRPr>
     </a:lvl7pPr>
-    <a:lvl8pPr marL="3200400" algn="l" defTabSz="914400" rtl="0" eaLnBrk="1" latinLnBrk="0" hangingPunct="1">
+    <a:lvl8pPr marL="3200400" algn="l" defTabSz="457200" rtl="0" eaLnBrk="1" latinLnBrk="0" hangingPunct="1">
       <a:defRPr sz="1800" kern="1200">
         <a:solidFill>
           <a:schemeClr val="tx1"/>
@@ -103,7 +103,7 @@
         <a:cs typeface="+mn-cs"/>
       </a:defRPr>
     </a:lvl8pPr>
-    <a:lvl9pPr marL="3657600" algn="l" defTabSz="914400" rtl="0" eaLnBrk="1" latinLnBrk="0" hangingPunct="1">
+    <a:lvl9pPr marL="3657600" algn="l" defTabSz="457200" rtl="0" eaLnBrk="1" latinLnBrk="0" hangingPunct="1">
       <a:defRPr sz="1800" kern="1200">
         <a:solidFill>
           <a:schemeClr val="tx1"/>
@@ -204,7 +204,7 @@
           <a:p>
             <a:fld id="{4BE72866-53C3-4DB3-89BA-F2EDA4C22490}" type="datetimeFigureOut">
               <a:rPr lang="en-US" smtClean="0"/>
-              <a:t>12/8/19</a:t>
+              <a:t>12/9/19</a:t>
             </a:fld>
             <a:endParaRPr lang="en-US"/>
           </a:p>
@@ -950,8 +950,16 @@
 </file>
 
 <file path=ppt/slideLayouts/slideLayout1.xml><?xml version="1.0" encoding="utf-8"?>
-<p:sldLayout xmlns:a="http://schemas.openxmlformats.org/drawingml/2006/main" xmlns:r="http://schemas.openxmlformats.org/officeDocument/2006/relationships" xmlns:p="http://schemas.openxmlformats.org/presentationml/2006/main" type="title" preserve="1">
+<p:sldLayout xmlns:a="http://schemas.openxmlformats.org/drawingml/2006/main" xmlns:r="http://schemas.openxmlformats.org/officeDocument/2006/relationships" xmlns:p="http://schemas.openxmlformats.org/presentationml/2006/main" showMasterSp="0" type="title" preserve="1">
   <p:cSld name="Title Slide">
+    <p:bg>
+      <p:bgPr>
+        <a:solidFill>
+          <a:schemeClr val="bg2"/>
+        </a:solidFill>
+        <a:effectLst/>
+      </p:bgPr>
+    </p:bg>
     <p:spTree>
       <p:nvGrpSpPr>
         <p:cNvPr id="1" name=""/>
@@ -978,15 +986,21 @@
         </p:nvSpPr>
         <p:spPr>
           <a:xfrm>
-            <a:off x="1524000" y="1122363"/>
-            <a:ext cx="9144000" cy="2387600"/>
+            <a:off x="1915128" y="1788454"/>
+            <a:ext cx="8361229" cy="2098226"/>
           </a:xfrm>
         </p:spPr>
         <p:txBody>
-          <a:bodyPr anchor="b"/>
+          <a:bodyPr anchor="b">
+            <a:noAutofit/>
+          </a:bodyPr>
           <a:lstStyle>
             <a:lvl1pPr algn="ctr">
-              <a:defRPr sz="6000"/>
+              <a:defRPr sz="7200" cap="all" baseline="0">
+                <a:solidFill>
+                  <a:schemeClr val="tx2"/>
+                </a:solidFill>
+              </a:defRPr>
             </a:lvl1pPr>
           </a:lstStyle>
           <a:p>
@@ -994,6 +1008,7 @@
               <a:rPr lang="en-US"/>
               <a:t>Click to edit Master title style</a:t>
             </a:r>
+            <a:endParaRPr lang="en-US" dirty="0"/>
           </a:p>
         </p:txBody>
       </p:sp>
@@ -1009,16 +1024,27 @@
         </p:nvSpPr>
         <p:spPr>
           <a:xfrm>
-            <a:off x="1524000" y="3602038"/>
-            <a:ext cx="9144000" cy="1655762"/>
+            <a:off x="2679906" y="3956279"/>
+            <a:ext cx="6831673" cy="1086237"/>
           </a:xfrm>
         </p:spPr>
         <p:txBody>
-          <a:bodyPr/>
+          <a:bodyPr>
+            <a:normAutofit/>
+          </a:bodyPr>
           <a:lstStyle>
             <a:lvl1pPr marL="0" indent="0" algn="ctr">
-              <a:buNone/>
-              <a:defRPr sz="2400"/>
+              <a:lnSpc>
+                <a:spcPct val="112000"/>
+              </a:lnSpc>
+              <a:spcBef>
+                <a:spcPts val="0"/>
+              </a:spcBef>
+              <a:spcAft>
+                <a:spcPts val="0"/>
+              </a:spcAft>
+              <a:buNone/>
+              <a:defRPr sz="2300"/>
             </a:lvl1pPr>
             <a:lvl2pPr marL="457200" indent="0" algn="ctr">
               <a:buNone/>
@@ -1058,6 +1084,7 @@
               <a:rPr lang="en-US"/>
               <a:t>Click to edit Master subtitle style</a:t>
             </a:r>
+            <a:endParaRPr lang="en-US" dirty="0"/>
           </a:p>
         </p:txBody>
       </p:sp>
@@ -1071,14 +1098,27 @@
             <p:ph type="dt" sz="half" idx="10"/>
           </p:nvPr>
         </p:nvSpPr>
-        <p:spPr/>
-        <p:txBody>
-          <a:bodyPr/>
-          <a:lstStyle/>
+        <p:spPr>
+          <a:xfrm>
+            <a:off x="752858" y="6453386"/>
+            <a:ext cx="1607944" cy="404614"/>
+          </a:xfrm>
+        </p:spPr>
+        <p:txBody>
+          <a:bodyPr/>
+          <a:lstStyle>
+            <a:lvl1pPr>
+              <a:defRPr baseline="0">
+                <a:solidFill>
+                  <a:schemeClr val="tx2"/>
+                </a:solidFill>
+              </a:defRPr>
+            </a:lvl1pPr>
+          </a:lstStyle>
           <a:p>
             <a:fld id="{B4AC1540-130D-412D-848A-3E8539D07D89}" type="datetimeFigureOut">
               <a:rPr lang="en-US" smtClean="0"/>
-              <a:t>12/8/19</a:t>
+              <a:t>12/9/19</a:t>
             </a:fld>
             <a:endParaRPr lang="en-US"/>
           </a:p>
@@ -1094,10 +1134,23 @@
             <p:ph type="ftr" sz="quarter" idx="11"/>
           </p:nvPr>
         </p:nvSpPr>
-        <p:spPr/>
-        <p:txBody>
-          <a:bodyPr/>
-          <a:lstStyle/>
+        <p:spPr>
+          <a:xfrm>
+            <a:off x="2584054" y="6453386"/>
+            <a:ext cx="7023377" cy="404614"/>
+          </a:xfrm>
+        </p:spPr>
+        <p:txBody>
+          <a:bodyPr/>
+          <a:lstStyle>
+            <a:lvl1pPr algn="ctr">
+              <a:defRPr baseline="0">
+                <a:solidFill>
+                  <a:schemeClr val="tx2"/>
+                </a:solidFill>
+              </a:defRPr>
+            </a:lvl1pPr>
+          </a:lstStyle>
           <a:p>
             <a:endParaRPr lang="en-US"/>
           </a:p>
@@ -1113,10 +1166,23 @@
             <p:ph type="sldNum" sz="quarter" idx="12"/>
           </p:nvPr>
         </p:nvSpPr>
-        <p:spPr/>
-        <p:txBody>
-          <a:bodyPr/>
-          <a:lstStyle/>
+        <p:spPr>
+          <a:xfrm>
+            <a:off x="9830683" y="6453386"/>
+            <a:ext cx="1596292" cy="404614"/>
+          </a:xfrm>
+        </p:spPr>
+        <p:txBody>
+          <a:bodyPr/>
+          <a:lstStyle>
+            <a:lvl1pPr>
+              <a:defRPr baseline="0">
+                <a:solidFill>
+                  <a:schemeClr val="tx2"/>
+                </a:solidFill>
+              </a:defRPr>
+            </a:lvl1pPr>
+          </a:lstStyle>
           <a:p>
             <a:fld id="{2D310C58-88BF-4360-B0E6-AEF3A903DF48}" type="slidenum">
               <a:rPr lang="en-US" smtClean="0"/>
@@ -1126,15 +1192,144 @@
           </a:p>
         </p:txBody>
       </p:sp>
+      <p:grpSp>
+        <p:nvGrpSpPr>
+          <p:cNvPr id="7" name="Group 6"/>
+          <p:cNvGrpSpPr/>
+          <p:nvPr/>
+        </p:nvGrpSpPr>
+        <p:grpSpPr>
+          <a:xfrm>
+            <a:off x="752858" y="744469"/>
+            <a:ext cx="10674117" cy="5349671"/>
+            <a:chOff x="752858" y="744469"/>
+            <a:chExt cx="10674117" cy="5349671"/>
+          </a:xfrm>
+        </p:grpSpPr>
+        <p:sp>
+          <p:nvSpPr>
+            <p:cNvPr id="11" name="Freeform 6"/>
+            <p:cNvSpPr/>
+            <p:nvPr/>
+          </p:nvSpPr>
+          <p:spPr bwMode="auto">
+            <a:xfrm>
+              <a:off x="8151962" y="1685652"/>
+              <a:ext cx="3275013" cy="4408488"/>
+            </a:xfrm>
+            <a:custGeom>
+              <a:avLst/>
+              <a:gdLst/>
+              <a:ahLst/>
+              <a:cxnLst/>
+              <a:rect l="l" t="t" r="r" b="b"/>
+              <a:pathLst>
+                <a:path w="10000" h="10000">
+                  <a:moveTo>
+                    <a:pt x="8761" y="0"/>
+                  </a:moveTo>
+                  <a:lnTo>
+                    <a:pt x="10000" y="0"/>
+                  </a:lnTo>
+                  <a:lnTo>
+                    <a:pt x="10000" y="10000"/>
+                  </a:lnTo>
+                  <a:lnTo>
+                    <a:pt x="0" y="10000"/>
+                  </a:lnTo>
+                  <a:lnTo>
+                    <a:pt x="0" y="9126"/>
+                  </a:lnTo>
+                  <a:lnTo>
+                    <a:pt x="8761" y="9127"/>
+                  </a:lnTo>
+                  <a:lnTo>
+                    <a:pt x="8761" y="0"/>
+                  </a:lnTo>
+                  <a:close/>
+                </a:path>
+              </a:pathLst>
+            </a:custGeom>
+            <a:solidFill>
+              <a:schemeClr val="tx2"/>
+            </a:solidFill>
+            <a:ln w="0">
+              <a:noFill/>
+              <a:prstDash val="solid"/>
+              <a:round/>
+              <a:headEnd/>
+              <a:tailEnd/>
+            </a:ln>
+          </p:spPr>
+        </p:sp>
+        <p:sp>
+          <p:nvSpPr>
+            <p:cNvPr id="14" name="Freeform 6"/>
+            <p:cNvSpPr/>
+            <p:nvPr/>
+          </p:nvSpPr>
+          <p:spPr bwMode="auto">
+            <a:xfrm flipH="1" flipV="1">
+              <a:off x="752858" y="744469"/>
+              <a:ext cx="3275668" cy="4408488"/>
+            </a:xfrm>
+            <a:custGeom>
+              <a:avLst/>
+              <a:gdLst/>
+              <a:ahLst/>
+              <a:cxnLst/>
+              <a:rect l="l" t="t" r="r" b="b"/>
+              <a:pathLst>
+                <a:path w="10002" h="10000">
+                  <a:moveTo>
+                    <a:pt x="8763" y="0"/>
+                  </a:moveTo>
+                  <a:lnTo>
+                    <a:pt x="10002" y="0"/>
+                  </a:lnTo>
+                  <a:lnTo>
+                    <a:pt x="10002" y="10000"/>
+                  </a:lnTo>
+                  <a:lnTo>
+                    <a:pt x="2" y="10000"/>
+                  </a:lnTo>
+                  <a:cubicBezTo>
+                    <a:pt x="-2" y="9698"/>
+                    <a:pt x="4" y="9427"/>
+                    <a:pt x="0" y="9125"/>
+                  </a:cubicBezTo>
+                  <a:lnTo>
+                    <a:pt x="8763" y="9128"/>
+                  </a:lnTo>
+                  <a:lnTo>
+                    <a:pt x="8763" y="0"/>
+                  </a:lnTo>
+                  <a:close/>
+                </a:path>
+              </a:pathLst>
+            </a:custGeom>
+            <a:solidFill>
+              <a:schemeClr val="tx2"/>
+            </a:solidFill>
+            <a:ln w="0">
+              <a:noFill/>
+              <a:prstDash val="solid"/>
+              <a:round/>
+              <a:headEnd/>
+              <a:tailEnd/>
+            </a:ln>
+          </p:spPr>
+        </p:sp>
+      </p:grpSp>
     </p:spTree>
     <p:extLst>
       <p:ext uri="{BB962C8B-B14F-4D97-AF65-F5344CB8AC3E}">
-        <p14:creationId xmlns:p14="http://schemas.microsoft.com/office/powerpoint/2010/main" val="2331474361"/>
+        <p14:creationId xmlns:p14="http://schemas.microsoft.com/office/powerpoint/2010/main" val="3792259468"/>
       </p:ext>
     </p:extLst>
   </p:cSld>
   <p:clrMapOvr>
-    <a:masterClrMapping/>
+    <a:overrideClrMapping bg1="lt1" tx1="dk1" bg2="lt2" tx2="dk2" accent1="accent1" accent2="accent2" accent3="accent3" accent4="accent4" accent5="accent5" accent6="accent6" hlink="hlink" folHlink="folHlink"/>
   </p:clrMapOvr>
 </p:sldLayout>
 </file>
@@ -1175,6 +1370,7 @@
               <a:rPr lang="en-US"/>
               <a:t>Click to edit Master title style</a:t>
             </a:r>
+            <a:endParaRPr lang="en-US" dirty="0"/>
           </a:p>
         </p:txBody>
       </p:sp>
@@ -1188,7 +1384,12 @@
             <p:ph type="body" orient="vert" idx="1"/>
           </p:nvPr>
         </p:nvSpPr>
-        <p:spPr/>
+        <p:spPr>
+          <a:xfrm>
+            <a:off x="1371600" y="2295525"/>
+            <a:ext cx="9601200" cy="3571875"/>
+          </a:xfrm>
+        </p:spPr>
         <p:txBody>
           <a:bodyPr vert="eaVert"/>
           <a:lstStyle/>
@@ -1196,7 +1397,7 @@
             <a:pPr lvl="0"/>
             <a:r>
               <a:rPr lang="en-US"/>
-              <a:t>Edit Master text styles</a:t>
+              <a:t>Click to edit Master text styles</a:t>
             </a:r>
           </a:p>
           <a:p>
@@ -1226,6 +1427,7 @@
               <a:rPr lang="en-US"/>
               <a:t>Fifth level</a:t>
             </a:r>
+            <a:endParaRPr lang="en-US" dirty="0"/>
           </a:p>
         </p:txBody>
       </p:sp>
@@ -1246,7 +1448,7 @@
           <a:p>
             <a:fld id="{B4AC1540-130D-412D-848A-3E8539D07D89}" type="datetimeFigureOut">
               <a:rPr lang="en-US" smtClean="0"/>
-              <a:t>12/8/19</a:t>
+              <a:t>12/9/19</a:t>
             </a:fld>
             <a:endParaRPr lang="en-US"/>
           </a:p>
@@ -1297,7 +1499,7 @@
     </p:spTree>
     <p:extLst>
       <p:ext uri="{BB962C8B-B14F-4D97-AF65-F5344CB8AC3E}">
-        <p14:creationId xmlns:p14="http://schemas.microsoft.com/office/powerpoint/2010/main" val="152214046"/>
+        <p14:creationId xmlns:p14="http://schemas.microsoft.com/office/powerpoint/2010/main" val="3832533513"/>
       </p:ext>
     </p:extLst>
   </p:cSld>
@@ -1336,8 +1538,8 @@
         </p:nvSpPr>
         <p:spPr>
           <a:xfrm>
-            <a:off x="8724900" y="365125"/>
-            <a:ext cx="2628900" cy="5811838"/>
+            <a:off x="9596561" y="624156"/>
+            <a:ext cx="1565766" cy="5243244"/>
           </a:xfrm>
         </p:spPr>
         <p:txBody>
@@ -1348,6 +1550,7 @@
               <a:rPr lang="en-US"/>
               <a:t>Click to edit Master title style</a:t>
             </a:r>
+            <a:endParaRPr lang="en-US" dirty="0"/>
           </a:p>
         </p:txBody>
       </p:sp>
@@ -1363,8 +1566,8 @@
         </p:nvSpPr>
         <p:spPr>
           <a:xfrm>
-            <a:off x="838200" y="365125"/>
-            <a:ext cx="7734300" cy="5811838"/>
+            <a:off x="1371600" y="624156"/>
+            <a:ext cx="8179641" cy="5243244"/>
           </a:xfrm>
         </p:spPr>
         <p:txBody>
@@ -1374,7 +1577,7 @@
             <a:pPr lvl="0"/>
             <a:r>
               <a:rPr lang="en-US"/>
-              <a:t>Edit Master text styles</a:t>
+              <a:t>Click to edit Master text styles</a:t>
             </a:r>
           </a:p>
           <a:p>
@@ -1404,6 +1607,7 @@
               <a:rPr lang="en-US"/>
               <a:t>Fifth level</a:t>
             </a:r>
+            <a:endParaRPr lang="en-US" dirty="0"/>
           </a:p>
         </p:txBody>
       </p:sp>
@@ -1424,7 +1628,7 @@
           <a:p>
             <a:fld id="{B4AC1540-130D-412D-848A-3E8539D07D89}" type="datetimeFigureOut">
               <a:rPr lang="en-US" smtClean="0"/>
-              <a:t>12/8/19</a:t>
+              <a:t>12/9/19</a:t>
             </a:fld>
             <a:endParaRPr lang="en-US"/>
           </a:p>
@@ -1475,7 +1679,7 @@
     </p:spTree>
     <p:extLst>
       <p:ext uri="{BB962C8B-B14F-4D97-AF65-F5344CB8AC3E}">
-        <p14:creationId xmlns:p14="http://schemas.microsoft.com/office/powerpoint/2010/main" val="1610099468"/>
+        <p14:creationId xmlns:p14="http://schemas.microsoft.com/office/powerpoint/2010/main" val="138845656"/>
       </p:ext>
     </p:extLst>
   </p:cSld>
@@ -1521,6 +1725,7 @@
               <a:rPr lang="en-US"/>
               <a:t>Click to edit Master title style</a:t>
             </a:r>
+            <a:endParaRPr lang="en-US" dirty="0"/>
           </a:p>
         </p:txBody>
       </p:sp>
@@ -1542,7 +1747,7 @@
             <a:pPr lvl="0"/>
             <a:r>
               <a:rPr lang="en-US"/>
-              <a:t>Edit Master text styles</a:t>
+              <a:t>Click to edit Master text styles</a:t>
             </a:r>
           </a:p>
           <a:p>
@@ -1572,6 +1777,7 @@
               <a:rPr lang="en-US"/>
               <a:t>Fifth level</a:t>
             </a:r>
+            <a:endParaRPr lang="en-US" dirty="0"/>
           </a:p>
         </p:txBody>
       </p:sp>
@@ -1592,7 +1798,7 @@
           <a:p>
             <a:fld id="{B4AC1540-130D-412D-848A-3E8539D07D89}" type="datetimeFigureOut">
               <a:rPr lang="en-US" smtClean="0"/>
-              <a:t>12/8/19</a:t>
+              <a:t>12/9/19</a:t>
             </a:fld>
             <a:endParaRPr lang="en-US"/>
           </a:p>
@@ -1643,7 +1849,7 @@
     </p:spTree>
     <p:extLst>
       <p:ext uri="{BB962C8B-B14F-4D97-AF65-F5344CB8AC3E}">
-        <p14:creationId xmlns:p14="http://schemas.microsoft.com/office/powerpoint/2010/main" val="3114748616"/>
+        <p14:creationId xmlns:p14="http://schemas.microsoft.com/office/powerpoint/2010/main" val="513124923"/>
       </p:ext>
     </p:extLst>
   </p:cSld>
@@ -1654,8 +1860,13 @@
 </file>
 
 <file path=ppt/slideLayouts/slideLayout3.xml><?xml version="1.0" encoding="utf-8"?>
-<p:sldLayout xmlns:a="http://schemas.openxmlformats.org/drawingml/2006/main" xmlns:r="http://schemas.openxmlformats.org/officeDocument/2006/relationships" xmlns:p="http://schemas.openxmlformats.org/presentationml/2006/main" type="secHead" preserve="1">
+<p:sldLayout xmlns:a="http://schemas.openxmlformats.org/drawingml/2006/main" xmlns:r="http://schemas.openxmlformats.org/officeDocument/2006/relationships" xmlns:p="http://schemas.openxmlformats.org/presentationml/2006/main" showMasterSp="0" type="secHead" preserve="1">
   <p:cSld name="Section Header">
+    <p:bg>
+      <p:bgRef idx="1001">
+        <a:schemeClr val="bg2"/>
+      </p:bgRef>
+    </p:bg>
     <p:spTree>
       <p:nvGrpSpPr>
         <p:cNvPr id="1" name=""/>
@@ -1682,15 +1893,21 @@
         </p:nvSpPr>
         <p:spPr>
           <a:xfrm>
-            <a:off x="831850" y="1709738"/>
-            <a:ext cx="10515600" cy="2852737"/>
+            <a:off x="765025" y="1301360"/>
+            <a:ext cx="9612971" cy="2852737"/>
           </a:xfrm>
         </p:spPr>
         <p:txBody>
-          <a:bodyPr anchor="b"/>
+          <a:bodyPr anchor="b">
+            <a:normAutofit/>
+          </a:bodyPr>
           <a:lstStyle>
-            <a:lvl1pPr>
-              <a:defRPr sz="6000"/>
+            <a:lvl1pPr algn="r">
+              <a:defRPr sz="7200" cap="all" baseline="0">
+                <a:solidFill>
+                  <a:schemeClr val="tx2"/>
+                </a:solidFill>
+              </a:defRPr>
             </a:lvl1pPr>
           </a:lstStyle>
           <a:p>
@@ -1698,6 +1915,7 @@
               <a:rPr lang="en-US"/>
               <a:t>Click to edit Master title style</a:t>
             </a:r>
+            <a:endParaRPr lang="en-US" dirty="0"/>
           </a:p>
         </p:txBody>
       </p:sp>
@@ -1713,20 +1931,27 @@
         </p:nvSpPr>
         <p:spPr>
           <a:xfrm>
-            <a:off x="831850" y="4589463"/>
-            <a:ext cx="10515600" cy="1500187"/>
+            <a:off x="765025" y="4216328"/>
+            <a:ext cx="9612971" cy="1143324"/>
           </a:xfrm>
         </p:spPr>
         <p:txBody>
           <a:bodyPr/>
           <a:lstStyle>
-            <a:lvl1pPr marL="0" indent="0">
+            <a:lvl1pPr marL="0" indent="0" algn="r">
+              <a:lnSpc>
+                <a:spcPct val="112000"/>
+              </a:lnSpc>
+              <a:spcBef>
+                <a:spcPts val="0"/>
+              </a:spcBef>
+              <a:spcAft>
+                <a:spcPts val="0"/>
+              </a:spcAft>
               <a:buNone/>
               <a:defRPr sz="2400">
                 <a:solidFill>
-                  <a:schemeClr val="tx1">
-                    <a:tint val="75000"/>
-                  </a:schemeClr>
+                  <a:schemeClr val="tx2"/>
                 </a:solidFill>
               </a:defRPr>
             </a:lvl1pPr>
@@ -1815,7 +2040,7 @@
             <a:pPr lvl="0"/>
             <a:r>
               <a:rPr lang="en-US"/>
-              <a:t>Edit Master text styles</a:t>
+              <a:t>Click to edit Master text styles</a:t>
             </a:r>
           </a:p>
         </p:txBody>
@@ -1830,14 +2055,27 @@
             <p:ph type="dt" sz="half" idx="10"/>
           </p:nvPr>
         </p:nvSpPr>
-        <p:spPr/>
-        <p:txBody>
-          <a:bodyPr/>
-          <a:lstStyle/>
+        <p:spPr>
+          <a:xfrm>
+            <a:off x="738908" y="6453386"/>
+            <a:ext cx="1622409" cy="404614"/>
+          </a:xfrm>
+        </p:spPr>
+        <p:txBody>
+          <a:bodyPr/>
+          <a:lstStyle>
+            <a:lvl1pPr>
+              <a:defRPr>
+                <a:solidFill>
+                  <a:schemeClr val="tx2"/>
+                </a:solidFill>
+              </a:defRPr>
+            </a:lvl1pPr>
+          </a:lstStyle>
           <a:p>
             <a:fld id="{B4AC1540-130D-412D-848A-3E8539D07D89}" type="datetimeFigureOut">
               <a:rPr lang="en-US" smtClean="0"/>
-              <a:t>12/8/19</a:t>
+              <a:t>12/9/19</a:t>
             </a:fld>
             <a:endParaRPr lang="en-US"/>
           </a:p>
@@ -1853,10 +2091,23 @@
             <p:ph type="ftr" sz="quarter" idx="11"/>
           </p:nvPr>
         </p:nvSpPr>
-        <p:spPr/>
-        <p:txBody>
-          <a:bodyPr/>
-          <a:lstStyle/>
+        <p:spPr>
+          <a:xfrm>
+            <a:off x="2584312" y="6453386"/>
+            <a:ext cx="7023377" cy="404614"/>
+          </a:xfrm>
+        </p:spPr>
+        <p:txBody>
+          <a:bodyPr/>
+          <a:lstStyle>
+            <a:lvl1pPr algn="ctr">
+              <a:defRPr>
+                <a:solidFill>
+                  <a:schemeClr val="tx2"/>
+                </a:solidFill>
+              </a:defRPr>
+            </a:lvl1pPr>
+          </a:lstStyle>
           <a:p>
             <a:endParaRPr lang="en-US"/>
           </a:p>
@@ -1872,10 +2123,23 @@
             <p:ph type="sldNum" sz="quarter" idx="12"/>
           </p:nvPr>
         </p:nvSpPr>
-        <p:spPr/>
-        <p:txBody>
-          <a:bodyPr/>
-          <a:lstStyle/>
+        <p:spPr>
+          <a:xfrm>
+            <a:off x="9830683" y="6453386"/>
+            <a:ext cx="1596292" cy="404614"/>
+          </a:xfrm>
+        </p:spPr>
+        <p:txBody>
+          <a:bodyPr/>
+          <a:lstStyle>
+            <a:lvl1pPr>
+              <a:defRPr>
+                <a:solidFill>
+                  <a:schemeClr val="tx2"/>
+                </a:solidFill>
+              </a:defRPr>
+            </a:lvl1pPr>
+          </a:lstStyle>
           <a:p>
             <a:fld id="{2D310C58-88BF-4360-B0E6-AEF3A903DF48}" type="slidenum">
               <a:rPr lang="en-US" smtClean="0"/>
@@ -1885,15 +2149,71 @@
           </a:p>
         </p:txBody>
       </p:sp>
+      <p:sp>
+        <p:nvSpPr>
+          <p:cNvPr id="7" name="Freeform 6" title="Crop Mark"/>
+          <p:cNvSpPr/>
+          <p:nvPr/>
+        </p:nvSpPr>
+        <p:spPr bwMode="auto">
+          <a:xfrm>
+            <a:off x="8151962" y="1685652"/>
+            <a:ext cx="3275013" cy="4408488"/>
+          </a:xfrm>
+          <a:custGeom>
+            <a:avLst/>
+            <a:gdLst/>
+            <a:ahLst/>
+            <a:cxnLst/>
+            <a:rect l="0" t="0" r="r" b="b"/>
+            <a:pathLst>
+              <a:path w="4125" h="5554">
+                <a:moveTo>
+                  <a:pt x="3614" y="0"/>
+                </a:moveTo>
+                <a:lnTo>
+                  <a:pt x="4125" y="0"/>
+                </a:lnTo>
+                <a:lnTo>
+                  <a:pt x="4125" y="5554"/>
+                </a:lnTo>
+                <a:lnTo>
+                  <a:pt x="0" y="5554"/>
+                </a:lnTo>
+                <a:lnTo>
+                  <a:pt x="0" y="5074"/>
+                </a:lnTo>
+                <a:lnTo>
+                  <a:pt x="3614" y="5074"/>
+                </a:lnTo>
+                <a:lnTo>
+                  <a:pt x="3614" y="0"/>
+                </a:lnTo>
+                <a:close/>
+              </a:path>
+            </a:pathLst>
+          </a:custGeom>
+          <a:solidFill>
+            <a:schemeClr val="tx2"/>
+          </a:solidFill>
+          <a:ln w="0">
+            <a:noFill/>
+            <a:prstDash val="solid"/>
+            <a:round/>
+            <a:headEnd/>
+            <a:tailEnd/>
+          </a:ln>
+        </p:spPr>
+      </p:sp>
     </p:spTree>
     <p:extLst>
       <p:ext uri="{BB962C8B-B14F-4D97-AF65-F5344CB8AC3E}">
-        <p14:creationId xmlns:p14="http://schemas.microsoft.com/office/powerpoint/2010/main" val="842683684"/>
+        <p14:creationId xmlns:p14="http://schemas.microsoft.com/office/powerpoint/2010/main" val="420038560"/>
       </p:ext>
     </p:extLst>
   </p:cSld>
   <p:clrMapOvr>
-    <a:masterClrMapping/>
+    <a:overrideClrMapping bg1="dk1" tx1="lt1" bg2="dk2" tx2="lt2" accent1="accent1" accent2="accent2" accent3="accent3" accent4="accent4" accent5="accent5" accent6="accent6" hlink="hlink" folHlink="folHlink"/>
   </p:clrMapOvr>
 </p:sldLayout>
 </file>
@@ -1928,12 +2248,21 @@
         <p:spPr/>
         <p:txBody>
           <a:bodyPr/>
-          <a:lstStyle/>
+          <a:lstStyle>
+            <a:lvl1pPr>
+              <a:defRPr>
+                <a:solidFill>
+                  <a:schemeClr val="tx2"/>
+                </a:solidFill>
+              </a:defRPr>
+            </a:lvl1pPr>
+          </a:lstStyle>
           <a:p>
             <a:r>
               <a:rPr lang="en-US"/>
               <a:t>Click to edit Master title style</a:t>
             </a:r>
+            <a:endParaRPr lang="en-US" dirty="0"/>
           </a:p>
         </p:txBody>
       </p:sp>
@@ -1949,18 +2278,54 @@
         </p:nvSpPr>
         <p:spPr>
           <a:xfrm>
-            <a:off x="838200" y="1825625"/>
-            <a:ext cx="5181600" cy="4351338"/>
+            <a:off x="1371600" y="2285999"/>
+            <a:ext cx="4447786" cy="3581401"/>
           </a:xfrm>
         </p:spPr>
         <p:txBody>
           <a:bodyPr/>
-          <a:lstStyle/>
+          <a:lstStyle>
+            <a:lvl1pPr>
+              <a:defRPr baseline="0">
+                <a:solidFill>
+                  <a:schemeClr val="tx2"/>
+                </a:solidFill>
+              </a:defRPr>
+            </a:lvl1pPr>
+            <a:lvl2pPr>
+              <a:defRPr baseline="0">
+                <a:solidFill>
+                  <a:schemeClr val="tx2"/>
+                </a:solidFill>
+              </a:defRPr>
+            </a:lvl2pPr>
+            <a:lvl3pPr>
+              <a:defRPr baseline="0">
+                <a:solidFill>
+                  <a:schemeClr val="tx2"/>
+                </a:solidFill>
+              </a:defRPr>
+            </a:lvl3pPr>
+            <a:lvl4pPr>
+              <a:defRPr baseline="0">
+                <a:solidFill>
+                  <a:schemeClr val="tx2"/>
+                </a:solidFill>
+              </a:defRPr>
+            </a:lvl4pPr>
+            <a:lvl5pPr>
+              <a:defRPr baseline="0">
+                <a:solidFill>
+                  <a:schemeClr val="tx2"/>
+                </a:solidFill>
+              </a:defRPr>
+            </a:lvl5pPr>
+          </a:lstStyle>
           <a:p>
             <a:pPr lvl="0"/>
             <a:r>
               <a:rPr lang="en-US"/>
-              <a:t>Edit Master text styles</a:t>
+              <a:t>Click to edit Master text styles</a:t>
             </a:r>
           </a:p>
           <a:p>
@@ -1990,6 +2355,7 @@
               <a:rPr lang="en-US"/>
               <a:t>Fifth level</a:t>
             </a:r>
+            <a:endParaRPr lang="en-US" dirty="0"/>
           </a:p>
         </p:txBody>
       </p:sp>
@@ -2005,18 +2371,54 @@
         </p:nvSpPr>
         <p:spPr>
           <a:xfrm>
-            <a:off x="6172200" y="1825625"/>
-            <a:ext cx="5181600" cy="4351338"/>
+            <a:off x="6525403" y="2285999"/>
+            <a:ext cx="4447786" cy="3581401"/>
           </a:xfrm>
         </p:spPr>
         <p:txBody>
           <a:bodyPr/>
-          <a:lstStyle/>
+          <a:lstStyle>
+            <a:lvl1pPr>
+              <a:defRPr>
+                <a:solidFill>
+                  <a:schemeClr val="tx2"/>
+                </a:solidFill>
+              </a:defRPr>
+            </a:lvl1pPr>
+            <a:lvl2pPr>
+              <a:defRPr>
+                <a:solidFill>
+                  <a:schemeClr val="tx2"/>
+                </a:solidFill>
+              </a:defRPr>
+            </a:lvl2pPr>
+            <a:lvl3pPr>
+              <a:defRPr>
+                <a:solidFill>
+                  <a:schemeClr val="tx2"/>
+                </a:solidFill>
+              </a:defRPr>
+            </a:lvl3pPr>
+            <a:lvl4pPr>
+              <a:defRPr>
+                <a:solidFill>
+                  <a:schemeClr val="tx2"/>
+                </a:solidFill>
+              </a:defRPr>
+            </a:lvl4pPr>
+            <a:lvl5pPr>
+              <a:defRPr>
+                <a:solidFill>
+                  <a:schemeClr val="tx2"/>
+                </a:solidFill>
+              </a:defRPr>
+            </a:lvl5pPr>
+          </a:lstStyle>
           <a:p>
             <a:pPr lvl="0"/>
             <a:r>
               <a:rPr lang="en-US"/>
-              <a:t>Edit Master text styles</a:t>
+              <a:t>Click to edit Master text styles</a:t>
             </a:r>
           </a:p>
           <a:p>
@@ -2046,6 +2448,7 @@
               <a:rPr lang="en-US"/>
               <a:t>Fifth level</a:t>
             </a:r>
+            <a:endParaRPr lang="en-US" dirty="0"/>
           </a:p>
         </p:txBody>
       </p:sp>
@@ -2066,7 +2469,7 @@
           <a:p>
             <a:fld id="{B4AC1540-130D-412D-848A-3E8539D07D89}" type="datetimeFigureOut">
               <a:rPr lang="en-US" smtClean="0"/>
-              <a:t>12/8/19</a:t>
+              <a:t>12/9/19</a:t>
             </a:fld>
             <a:endParaRPr lang="en-US"/>
           </a:p>
@@ -2117,7 +2520,7 @@
     </p:spTree>
     <p:extLst>
       <p:ext uri="{BB962C8B-B14F-4D97-AF65-F5344CB8AC3E}">
-        <p14:creationId xmlns:p14="http://schemas.microsoft.com/office/powerpoint/2010/main" val="2860509118"/>
+        <p14:creationId xmlns:p14="http://schemas.microsoft.com/office/powerpoint/2010/main" val="3671837416"/>
       </p:ext>
     </p:extLst>
   </p:cSld>
@@ -2156,18 +2559,27 @@
         </p:nvSpPr>
         <p:spPr>
           <a:xfrm>
-            <a:off x="839788" y="365125"/>
-            <a:ext cx="10515600" cy="1325563"/>
+            <a:off x="1371600" y="685800"/>
+            <a:ext cx="9601200" cy="1485900"/>
           </a:xfrm>
         </p:spPr>
         <p:txBody>
           <a:bodyPr/>
-          <a:lstStyle/>
+          <a:lstStyle>
+            <a:lvl1pPr>
+              <a:defRPr>
+                <a:solidFill>
+                  <a:schemeClr val="tx2"/>
+                </a:solidFill>
+              </a:defRPr>
+            </a:lvl1pPr>
+          </a:lstStyle>
           <a:p>
             <a:r>
               <a:rPr lang="en-US"/>
               <a:t>Click to edit Master title style</a:t>
             </a:r>
+            <a:endParaRPr lang="en-US" dirty="0"/>
           </a:p>
         </p:txBody>
       </p:sp>
@@ -2183,16 +2595,31 @@
         </p:nvSpPr>
         <p:spPr>
           <a:xfrm>
-            <a:off x="839788" y="1681163"/>
-            <a:ext cx="5157787" cy="823912"/>
+            <a:off x="1371600" y="2340864"/>
+            <a:ext cx="4443984" cy="823912"/>
           </a:xfrm>
         </p:spPr>
         <p:txBody>
-          <a:bodyPr anchor="b"/>
+          <a:bodyPr anchor="b">
+            <a:noAutofit/>
+          </a:bodyPr>
           <a:lstStyle>
             <a:lvl1pPr marL="0" indent="0">
-              <a:buNone/>
-              <a:defRPr sz="2400" b="1"/>
+              <a:lnSpc>
+                <a:spcPct val="84000"/>
+              </a:lnSpc>
+              <a:spcBef>
+                <a:spcPts val="0"/>
+              </a:spcBef>
+              <a:spcAft>
+                <a:spcPts val="0"/>
+              </a:spcAft>
+              <a:buNone/>
+              <a:defRPr sz="3000" b="0" baseline="0">
+                <a:solidFill>
+                  <a:schemeClr val="tx2"/>
+                </a:solidFill>
+              </a:defRPr>
             </a:lvl1pPr>
             <a:lvl2pPr marL="457200" indent="0">
               <a:buNone/>
@@ -2231,7 +2658,7 @@
             <a:pPr lvl="0"/>
             <a:r>
               <a:rPr lang="en-US"/>
-              <a:t>Edit Master text styles</a:t>
+              <a:t>Click to edit Master text styles</a:t>
             </a:r>
           </a:p>
         </p:txBody>
@@ -2248,18 +2675,54 @@
         </p:nvSpPr>
         <p:spPr>
           <a:xfrm>
-            <a:off x="839788" y="2505075"/>
-            <a:ext cx="5157787" cy="3684588"/>
+            <a:off x="1371600" y="3305207"/>
+            <a:ext cx="4443984" cy="2562193"/>
           </a:xfrm>
         </p:spPr>
         <p:txBody>
           <a:bodyPr/>
-          <a:lstStyle/>
+          <a:lstStyle>
+            <a:lvl1pPr>
+              <a:defRPr baseline="0">
+                <a:solidFill>
+                  <a:schemeClr val="tx2"/>
+                </a:solidFill>
+              </a:defRPr>
+            </a:lvl1pPr>
+            <a:lvl2pPr>
+              <a:defRPr baseline="0">
+                <a:solidFill>
+                  <a:schemeClr val="tx2"/>
+                </a:solidFill>
+              </a:defRPr>
+            </a:lvl2pPr>
+            <a:lvl3pPr>
+              <a:defRPr baseline="0">
+                <a:solidFill>
+                  <a:schemeClr val="tx2"/>
+                </a:solidFill>
+              </a:defRPr>
+            </a:lvl3pPr>
+            <a:lvl4pPr>
+              <a:defRPr baseline="0">
+                <a:solidFill>
+                  <a:schemeClr val="tx2"/>
+                </a:solidFill>
+              </a:defRPr>
+            </a:lvl4pPr>
+            <a:lvl5pPr>
+              <a:defRPr baseline="0">
+                <a:solidFill>
+                  <a:schemeClr val="tx2"/>
+                </a:solidFill>
+              </a:defRPr>
+            </a:lvl5pPr>
+          </a:lstStyle>
           <a:p>
             <a:pPr lvl="0"/>
             <a:r>
               <a:rPr lang="en-US"/>
-              <a:t>Edit Master text styles</a:t>
+              <a:t>Click to edit Master text styles</a:t>
             </a:r>
           </a:p>
           <a:p>
@@ -2289,6 +2752,7 @@
               <a:rPr lang="en-US"/>
               <a:t>Fifth level</a:t>
             </a:r>
+            <a:endParaRPr lang="en-US" dirty="0"/>
           </a:p>
         </p:txBody>
       </p:sp>
@@ -2304,16 +2768,31 @@
         </p:nvSpPr>
         <p:spPr>
           <a:xfrm>
-            <a:off x="6172200" y="1681163"/>
-            <a:ext cx="5183188" cy="823912"/>
+            <a:off x="6525014" y="2340864"/>
+            <a:ext cx="4443984" cy="823912"/>
           </a:xfrm>
         </p:spPr>
         <p:txBody>
-          <a:bodyPr anchor="b"/>
+          <a:bodyPr anchor="b">
+            <a:noAutofit/>
+          </a:bodyPr>
           <a:lstStyle>
             <a:lvl1pPr marL="0" indent="0">
-              <a:buNone/>
-              <a:defRPr sz="2400" b="1"/>
+              <a:lnSpc>
+                <a:spcPct val="84000"/>
+              </a:lnSpc>
+              <a:spcBef>
+                <a:spcPts val="0"/>
+              </a:spcBef>
+              <a:spcAft>
+                <a:spcPts val="0"/>
+              </a:spcAft>
+              <a:buNone/>
+              <a:defRPr sz="3000" b="0" baseline="0">
+                <a:solidFill>
+                  <a:schemeClr val="tx2"/>
+                </a:solidFill>
+              </a:defRPr>
             </a:lvl1pPr>
             <a:lvl2pPr marL="457200" indent="0">
               <a:buNone/>
@@ -2352,7 +2831,7 @@
             <a:pPr lvl="0"/>
             <a:r>
               <a:rPr lang="en-US"/>
-              <a:t>Edit Master text styles</a:t>
+              <a:t>Click to edit Master text styles</a:t>
             </a:r>
           </a:p>
         </p:txBody>
@@ -2369,18 +2848,54 @@
         </p:nvSpPr>
         <p:spPr>
           <a:xfrm>
-            <a:off x="6172200" y="2505075"/>
-            <a:ext cx="5183188" cy="3684588"/>
+            <a:off x="6525014" y="3305207"/>
+            <a:ext cx="4443984" cy="2562193"/>
           </a:xfrm>
         </p:spPr>
         <p:txBody>
           <a:bodyPr/>
-          <a:lstStyle/>
+          <a:lstStyle>
+            <a:lvl1pPr>
+              <a:defRPr baseline="0">
+                <a:solidFill>
+                  <a:schemeClr val="tx2"/>
+                </a:solidFill>
+              </a:defRPr>
+            </a:lvl1pPr>
+            <a:lvl2pPr>
+              <a:defRPr baseline="0">
+                <a:solidFill>
+                  <a:schemeClr val="tx2"/>
+                </a:solidFill>
+              </a:defRPr>
+            </a:lvl2pPr>
+            <a:lvl3pPr>
+              <a:defRPr baseline="0">
+                <a:solidFill>
+                  <a:schemeClr val="tx2"/>
+                </a:solidFill>
+              </a:defRPr>
+            </a:lvl3pPr>
+            <a:lvl4pPr>
+              <a:defRPr baseline="0">
+                <a:solidFill>
+                  <a:schemeClr val="tx2"/>
+                </a:solidFill>
+              </a:defRPr>
+            </a:lvl4pPr>
+            <a:lvl5pPr>
+              <a:defRPr baseline="0">
+                <a:solidFill>
+                  <a:schemeClr val="tx2"/>
+                </a:solidFill>
+              </a:defRPr>
+            </a:lvl5pPr>
+          </a:lstStyle>
           <a:p>
             <a:pPr lvl="0"/>
             <a:r>
               <a:rPr lang="en-US"/>
-              <a:t>Edit Master text styles</a:t>
+              <a:t>Click to edit Master text styles</a:t>
             </a:r>
           </a:p>
           <a:p>
@@ -2410,6 +2925,7 @@
               <a:rPr lang="en-US"/>
               <a:t>Fifth level</a:t>
             </a:r>
+            <a:endParaRPr lang="en-US" dirty="0"/>
           </a:p>
         </p:txBody>
       </p:sp>
@@ -2430,7 +2946,7 @@
           <a:p>
             <a:fld id="{B4AC1540-130D-412D-848A-3E8539D07D89}" type="datetimeFigureOut">
               <a:rPr lang="en-US" smtClean="0"/>
-              <a:t>12/8/19</a:t>
+              <a:t>12/9/19</a:t>
             </a:fld>
             <a:endParaRPr lang="en-US"/>
           </a:p>
@@ -2481,7 +2997,7 @@
     </p:spTree>
     <p:extLst>
       <p:ext uri="{BB962C8B-B14F-4D97-AF65-F5344CB8AC3E}">
-        <p14:creationId xmlns:p14="http://schemas.microsoft.com/office/powerpoint/2010/main" val="57042652"/>
+        <p14:creationId xmlns:p14="http://schemas.microsoft.com/office/powerpoint/2010/main" val="1913980934"/>
       </p:ext>
     </p:extLst>
   </p:cSld>
@@ -2527,6 +3043,7 @@
               <a:rPr lang="en-US"/>
               <a:t>Click to edit Master title style</a:t>
             </a:r>
+            <a:endParaRPr lang="en-US" dirty="0"/>
           </a:p>
         </p:txBody>
       </p:sp>
@@ -2547,7 +3064,7 @@
           <a:p>
             <a:fld id="{B4AC1540-130D-412D-848A-3E8539D07D89}" type="datetimeFigureOut">
               <a:rPr lang="en-US" smtClean="0"/>
-              <a:t>12/8/19</a:t>
+              <a:t>12/9/19</a:t>
             </a:fld>
             <a:endParaRPr lang="en-US"/>
           </a:p>
@@ -2598,7 +3115,7 @@
     </p:spTree>
     <p:extLst>
       <p:ext uri="{BB962C8B-B14F-4D97-AF65-F5344CB8AC3E}">
-        <p14:creationId xmlns:p14="http://schemas.microsoft.com/office/powerpoint/2010/main" val="1455966977"/>
+        <p14:creationId xmlns:p14="http://schemas.microsoft.com/office/powerpoint/2010/main" val="158076172"/>
       </p:ext>
     </p:extLst>
   </p:cSld>
@@ -2642,7 +3159,7 @@
           <a:p>
             <a:fld id="{B4AC1540-130D-412D-848A-3E8539D07D89}" type="datetimeFigureOut">
               <a:rPr lang="en-US" smtClean="0"/>
-              <a:t>12/8/19</a:t>
+              <a:t>12/9/19</a:t>
             </a:fld>
             <a:endParaRPr lang="en-US"/>
           </a:p>
@@ -2693,7 +3210,7 @@
     </p:spTree>
     <p:extLst>
       <p:ext uri="{BB962C8B-B14F-4D97-AF65-F5344CB8AC3E}">
-        <p14:creationId xmlns:p14="http://schemas.microsoft.com/office/powerpoint/2010/main" val="2092354295"/>
+        <p14:creationId xmlns:p14="http://schemas.microsoft.com/office/powerpoint/2010/main" val="2861502365"/>
       </p:ext>
     </p:extLst>
   </p:cSld>
@@ -2704,7 +3221,7 @@
 </file>
 
 <file path=ppt/slideLayouts/slideLayout8.xml><?xml version="1.0" encoding="utf-8"?>
-<p:sldLayout xmlns:a="http://schemas.openxmlformats.org/drawingml/2006/main" xmlns:r="http://schemas.openxmlformats.org/officeDocument/2006/relationships" xmlns:p="http://schemas.openxmlformats.org/presentationml/2006/main" type="objTx" preserve="1">
+<p:sldLayout xmlns:a="http://schemas.openxmlformats.org/drawingml/2006/main" xmlns:r="http://schemas.openxmlformats.org/officeDocument/2006/relationships" xmlns:p="http://schemas.openxmlformats.org/presentationml/2006/main" showMasterSp="0" type="objTx" preserve="1">
   <p:cSld name="Content with Caption">
     <p:spTree>
       <p:nvGrpSpPr>
@@ -2722,25 +3239,72 @@
       </p:grpSpPr>
       <p:sp>
         <p:nvSpPr>
-          <p:cNvPr id="2" name="Title 1"/>
-          <p:cNvSpPr>
-            <a:spLocks noGrp="1"/>
-          </p:cNvSpPr>
-          <p:nvPr>
-            <p:ph type="title"/>
-          </p:nvPr>
+          <p:cNvPr id="8" name="Rectangle 7" title="Background Shape"/>
+          <p:cNvSpPr/>
+          <p:nvPr/>
         </p:nvSpPr>
         <p:spPr>
           <a:xfrm>
-            <a:off x="839788" y="457200"/>
-            <a:ext cx="3932237" cy="1600200"/>
+            <a:off x="0" y="376"/>
+            <a:ext cx="5303520" cy="6857624"/>
+          </a:xfrm>
+          <a:prstGeom prst="rect">
+            <a:avLst/>
+          </a:prstGeom>
+          <a:solidFill>
+            <a:schemeClr val="accent1"/>
+          </a:solidFill>
+          <a:ln>
+            <a:noFill/>
+          </a:ln>
+        </p:spPr>
+        <p:style>
+          <a:lnRef idx="2">
+            <a:schemeClr val="accent1">
+              <a:shade val="50000"/>
+            </a:schemeClr>
+          </a:lnRef>
+          <a:fillRef idx="1">
+            <a:schemeClr val="accent1"/>
+          </a:fillRef>
+          <a:effectRef idx="0">
+            <a:schemeClr val="accent1"/>
+          </a:effectRef>
+          <a:fontRef idx="minor">
+            <a:schemeClr val="lt1"/>
+          </a:fontRef>
+        </p:style>
+      </p:sp>
+      <p:sp>
+        <p:nvSpPr>
+          <p:cNvPr id="2" name="Title 1"/>
+          <p:cNvSpPr>
+            <a:spLocks noGrp="1"/>
+          </p:cNvSpPr>
+          <p:nvPr>
+            <p:ph type="title"/>
+          </p:nvPr>
+        </p:nvSpPr>
+        <p:spPr>
+          <a:xfrm>
+            <a:off x="723900" y="685800"/>
+            <a:ext cx="3855720" cy="2157884"/>
           </a:xfrm>
         </p:spPr>
         <p:txBody>
-          <a:bodyPr anchor="b"/>
+          <a:bodyPr anchor="t">
+            <a:noAutofit/>
+          </a:bodyPr>
           <a:lstStyle>
             <a:lvl1pPr>
-              <a:defRPr sz="3200"/>
+              <a:lnSpc>
+                <a:spcPct val="84000"/>
+              </a:lnSpc>
+              <a:defRPr sz="4800" baseline="0">
+                <a:solidFill>
+                  <a:schemeClr val="tx2"/>
+                </a:solidFill>
+              </a:defRPr>
             </a:lvl1pPr>
           </a:lstStyle>
           <a:p>
@@ -2748,6 +3312,7 @@
               <a:rPr lang="en-US"/>
               <a:t>Click to edit Master title style</a:t>
             </a:r>
+            <a:endParaRPr lang="en-US" dirty="0"/>
           </a:p>
         </p:txBody>
       </p:sp>
@@ -2763,46 +3328,46 @@
         </p:nvSpPr>
         <p:spPr>
           <a:xfrm>
-            <a:off x="5183188" y="987425"/>
-            <a:ext cx="6172200" cy="4873625"/>
+            <a:off x="6256020" y="685801"/>
+            <a:ext cx="5212080" cy="5175250"/>
           </a:xfrm>
         </p:spPr>
         <p:txBody>
           <a:bodyPr/>
           <a:lstStyle>
             <a:lvl1pPr>
-              <a:defRPr sz="3200"/>
+              <a:defRPr sz="2000"/>
             </a:lvl1pPr>
             <a:lvl2pPr>
-              <a:defRPr sz="2800"/>
+              <a:defRPr sz="2000"/>
             </a:lvl2pPr>
             <a:lvl3pPr>
-              <a:defRPr sz="2400"/>
+              <a:defRPr sz="1800"/>
             </a:lvl3pPr>
             <a:lvl4pPr>
-              <a:defRPr sz="2000"/>
+              <a:defRPr sz="1800"/>
             </a:lvl4pPr>
             <a:lvl5pPr>
-              <a:defRPr sz="2000"/>
+              <a:defRPr sz="1600"/>
             </a:lvl5pPr>
             <a:lvl6pPr>
-              <a:defRPr sz="2000"/>
+              <a:defRPr sz="1600"/>
             </a:lvl6pPr>
             <a:lvl7pPr>
-              <a:defRPr sz="2000"/>
+              <a:defRPr sz="1600"/>
             </a:lvl7pPr>
             <a:lvl8pPr>
-              <a:defRPr sz="2000"/>
+              <a:defRPr sz="1600"/>
             </a:lvl8pPr>
             <a:lvl9pPr>
-              <a:defRPr sz="2000"/>
+              <a:defRPr sz="1600"/>
             </a:lvl9pPr>
           </a:lstStyle>
           <a:p>
             <a:pPr lvl="0"/>
             <a:r>
               <a:rPr lang="en-US"/>
-              <a:t>Edit Master text styles</a:t>
+              <a:t>Click to edit Master text styles</a:t>
             </a:r>
           </a:p>
           <a:p>
@@ -2832,6 +3397,7 @@
               <a:rPr lang="en-US"/>
               <a:t>Fifth level</a:t>
             </a:r>
+            <a:endParaRPr lang="en-US" dirty="0"/>
           </a:p>
         </p:txBody>
       </p:sp>
@@ -2847,14 +3413,23 @@
         </p:nvSpPr>
         <p:spPr>
           <a:xfrm>
-            <a:off x="839788" y="2057400"/>
-            <a:ext cx="3932237" cy="3811588"/>
+            <a:off x="723900" y="2856344"/>
+            <a:ext cx="3855720" cy="3011056"/>
           </a:xfrm>
         </p:spPr>
         <p:txBody>
           <a:bodyPr/>
           <a:lstStyle>
             <a:lvl1pPr marL="0" indent="0">
+              <a:lnSpc>
+                <a:spcPct val="113000"/>
+              </a:lnSpc>
+              <a:spcBef>
+                <a:spcPts val="0"/>
+              </a:spcBef>
+              <a:spcAft>
+                <a:spcPts val="1500"/>
+              </a:spcAft>
               <a:buNone/>
               <a:defRPr sz="1600"/>
             </a:lvl1pPr>
@@ -2895,7 +3470,7 @@
             <a:pPr lvl="0"/>
             <a:r>
               <a:rPr lang="en-US"/>
-              <a:t>Edit Master text styles</a:t>
+              <a:t>Click to edit Master text styles</a:t>
             </a:r>
           </a:p>
         </p:txBody>
@@ -2910,14 +3485,27 @@
             <p:ph type="dt" sz="half" idx="10"/>
           </p:nvPr>
         </p:nvSpPr>
-        <p:spPr/>
-        <p:txBody>
-          <a:bodyPr/>
-          <a:lstStyle/>
+        <p:spPr>
+          <a:xfrm>
+            <a:off x="723900" y="6453386"/>
+            <a:ext cx="1204572" cy="404614"/>
+          </a:xfrm>
+        </p:spPr>
+        <p:txBody>
+          <a:bodyPr/>
+          <a:lstStyle>
+            <a:lvl1pPr>
+              <a:defRPr>
+                <a:solidFill>
+                  <a:schemeClr val="tx2"/>
+                </a:solidFill>
+              </a:defRPr>
+            </a:lvl1pPr>
+          </a:lstStyle>
           <a:p>
             <a:fld id="{B4AC1540-130D-412D-848A-3E8539D07D89}" type="datetimeFigureOut">
               <a:rPr lang="en-US" smtClean="0"/>
-              <a:t>12/8/19</a:t>
+              <a:t>12/9/19</a:t>
             </a:fld>
             <a:endParaRPr lang="en-US"/>
           </a:p>
@@ -2933,10 +3521,23 @@
             <p:ph type="ftr" sz="quarter" idx="11"/>
           </p:nvPr>
         </p:nvSpPr>
-        <p:spPr/>
-        <p:txBody>
-          <a:bodyPr/>
-          <a:lstStyle/>
+        <p:spPr>
+          <a:xfrm>
+            <a:off x="2205945" y="6453386"/>
+            <a:ext cx="2373675" cy="404614"/>
+          </a:xfrm>
+        </p:spPr>
+        <p:txBody>
+          <a:bodyPr/>
+          <a:lstStyle>
+            <a:lvl1pPr>
+              <a:defRPr>
+                <a:solidFill>
+                  <a:schemeClr val="tx2"/>
+                </a:solidFill>
+              </a:defRPr>
+            </a:lvl1pPr>
+          </a:lstStyle>
           <a:p>
             <a:endParaRPr lang="en-US"/>
           </a:p>
@@ -2952,10 +3553,23 @@
             <p:ph type="sldNum" sz="quarter" idx="12"/>
           </p:nvPr>
         </p:nvSpPr>
-        <p:spPr/>
-        <p:txBody>
-          <a:bodyPr/>
-          <a:lstStyle/>
+        <p:spPr>
+          <a:xfrm>
+            <a:off x="9883140" y="6453386"/>
+            <a:ext cx="1596292" cy="404614"/>
+          </a:xfrm>
+        </p:spPr>
+        <p:txBody>
+          <a:bodyPr/>
+          <a:lstStyle>
+            <a:lvl1pPr>
+              <a:defRPr>
+                <a:solidFill>
+                  <a:schemeClr val="tx2"/>
+                </a:solidFill>
+              </a:defRPr>
+            </a:lvl1pPr>
+          </a:lstStyle>
           <a:p>
             <a:fld id="{2D310C58-88BF-4360-B0E6-AEF3A903DF48}" type="slidenum">
               <a:rPr lang="en-US" smtClean="0"/>
@@ -2965,10 +3579,48 @@
           </a:p>
         </p:txBody>
       </p:sp>
+      <p:sp>
+        <p:nvSpPr>
+          <p:cNvPr id="9" name="Rectangle 8" title="Divider Bar"/>
+          <p:cNvSpPr/>
+          <p:nvPr/>
+        </p:nvSpPr>
+        <p:spPr>
+          <a:xfrm>
+            <a:off x="5303520" y="376"/>
+            <a:ext cx="228600" cy="6858000"/>
+          </a:xfrm>
+          <a:prstGeom prst="rect">
+            <a:avLst/>
+          </a:prstGeom>
+          <a:solidFill>
+            <a:schemeClr val="tx2"/>
+          </a:solidFill>
+          <a:ln>
+            <a:noFill/>
+          </a:ln>
+        </p:spPr>
+        <p:style>
+          <a:lnRef idx="2">
+            <a:schemeClr val="accent1">
+              <a:shade val="50000"/>
+            </a:schemeClr>
+          </a:lnRef>
+          <a:fillRef idx="1">
+            <a:schemeClr val="accent1"/>
+          </a:fillRef>
+          <a:effectRef idx="0">
+            <a:schemeClr val="accent1"/>
+          </a:effectRef>
+          <a:fontRef idx="minor">
+            <a:schemeClr val="lt1"/>
+          </a:fontRef>
+        </p:style>
+      </p:sp>
     </p:spTree>
     <p:extLst>
       <p:ext uri="{BB962C8B-B14F-4D97-AF65-F5344CB8AC3E}">
-        <p14:creationId xmlns:p14="http://schemas.microsoft.com/office/powerpoint/2010/main" val="3510213481"/>
+        <p14:creationId xmlns:p14="http://schemas.microsoft.com/office/powerpoint/2010/main" val="1017555020"/>
       </p:ext>
     </p:extLst>
   </p:cSld>
@@ -2979,7 +3631,7 @@
 </file>
 
 <file path=ppt/slideLayouts/slideLayout9.xml><?xml version="1.0" encoding="utf-8"?>
-<p:sldLayout xmlns:a="http://schemas.openxmlformats.org/drawingml/2006/main" xmlns:r="http://schemas.openxmlformats.org/officeDocument/2006/relationships" xmlns:p="http://schemas.openxmlformats.org/presentationml/2006/main" type="picTx" preserve="1">
+<p:sldLayout xmlns:a="http://schemas.openxmlformats.org/drawingml/2006/main" xmlns:r="http://schemas.openxmlformats.org/officeDocument/2006/relationships" xmlns:p="http://schemas.openxmlformats.org/presentationml/2006/main" showMasterSp="0" type="picTx" preserve="1">
   <p:cSld name="Picture with Caption">
     <p:spTree>
       <p:nvGrpSpPr>
@@ -2997,25 +3649,68 @@
       </p:grpSpPr>
       <p:sp>
         <p:nvSpPr>
-          <p:cNvPr id="2" name="Title 1"/>
-          <p:cNvSpPr>
-            <a:spLocks noGrp="1"/>
-          </p:cNvSpPr>
-          <p:nvPr>
-            <p:ph type="title"/>
-          </p:nvPr>
+          <p:cNvPr id="8" name="Rectangle 7" title="Background Shape"/>
+          <p:cNvSpPr/>
+          <p:nvPr/>
         </p:nvSpPr>
         <p:spPr>
           <a:xfrm>
-            <a:off x="839788" y="457200"/>
-            <a:ext cx="3932237" cy="1600200"/>
+            <a:off x="0" y="376"/>
+            <a:ext cx="5303520" cy="6857624"/>
+          </a:xfrm>
+          <a:prstGeom prst="rect">
+            <a:avLst/>
+          </a:prstGeom>
+          <a:solidFill>
+            <a:schemeClr val="accent1"/>
+          </a:solidFill>
+          <a:ln>
+            <a:noFill/>
+          </a:ln>
+        </p:spPr>
+        <p:style>
+          <a:lnRef idx="2">
+            <a:schemeClr val="accent1">
+              <a:shade val="50000"/>
+            </a:schemeClr>
+          </a:lnRef>
+          <a:fillRef idx="1">
+            <a:schemeClr val="accent1"/>
+          </a:fillRef>
+          <a:effectRef idx="0">
+            <a:schemeClr val="accent1"/>
+          </a:effectRef>
+          <a:fontRef idx="minor">
+            <a:schemeClr val="lt1"/>
+          </a:fontRef>
+        </p:style>
+      </p:sp>
+      <p:sp>
+        <p:nvSpPr>
+          <p:cNvPr id="2" name="Title 1"/>
+          <p:cNvSpPr>
+            <a:spLocks noGrp="1"/>
+          </p:cNvSpPr>
+          <p:nvPr>
+            <p:ph type="title"/>
+          </p:nvPr>
+        </p:nvSpPr>
+        <p:spPr>
+          <a:xfrm>
+            <a:off x="723900" y="685800"/>
+            <a:ext cx="3855720" cy="2157884"/>
           </a:xfrm>
         </p:spPr>
         <p:txBody>
-          <a:bodyPr anchor="b"/>
+          <a:bodyPr anchor="t">
+            <a:normAutofit/>
+          </a:bodyPr>
           <a:lstStyle>
             <a:lvl1pPr>
-              <a:defRPr sz="3200"/>
+              <a:lnSpc>
+                <a:spcPct val="84000"/>
+              </a:lnSpc>
+              <a:defRPr sz="4800" baseline="0"/>
             </a:lvl1pPr>
           </a:lstStyle>
           <a:p>
@@ -3023,6 +3718,7 @@
               <a:rPr lang="en-US"/>
               <a:t>Click to edit Master title style</a:t>
             </a:r>
+            <a:endParaRPr lang="en-US" dirty="0"/>
           </a:p>
         </p:txBody>
       </p:sp>
@@ -3030,7 +3726,7 @@
         <p:nvSpPr>
           <p:cNvPr id="3" name="Picture Placeholder 2"/>
           <p:cNvSpPr>
-            <a:spLocks noGrp="1"/>
+            <a:spLocks noGrp="1" noChangeAspect="1"/>
           </p:cNvSpPr>
           <p:nvPr>
             <p:ph type="pic" idx="1"/>
@@ -3038,24 +3734,26 @@
         </p:nvSpPr>
         <p:spPr>
           <a:xfrm>
-            <a:off x="5183188" y="987425"/>
-            <a:ext cx="6172200" cy="4873625"/>
+            <a:off x="5532120" y="0"/>
+            <a:ext cx="6659880" cy="6857999"/>
           </a:xfrm>
         </p:spPr>
         <p:txBody>
-          <a:bodyPr/>
+          <a:bodyPr anchor="t">
+            <a:normAutofit/>
+          </a:bodyPr>
           <a:lstStyle>
             <a:lvl1pPr marL="0" indent="0">
               <a:buNone/>
-              <a:defRPr sz="3200"/>
+              <a:defRPr sz="2000"/>
             </a:lvl1pPr>
             <a:lvl2pPr marL="457200" indent="0">
               <a:buNone/>
-              <a:defRPr sz="2800"/>
+              <a:defRPr sz="2000"/>
             </a:lvl2pPr>
             <a:lvl3pPr marL="914400" indent="0">
               <a:buNone/>
-              <a:defRPr sz="2400"/>
+              <a:defRPr sz="2000"/>
             </a:lvl3pPr>
             <a:lvl4pPr marL="1371600" indent="0">
               <a:buNone/>
@@ -3083,7 +3781,11 @@
             </a:lvl9pPr>
           </a:lstStyle>
           <a:p>
-            <a:endParaRPr lang="en-US"/>
+            <a:r>
+              <a:rPr lang="en-US"/>
+              <a:t>Click icon to add picture</a:t>
+            </a:r>
+            <a:endParaRPr lang="en-US" dirty="0"/>
           </a:p>
         </p:txBody>
       </p:sp>
@@ -3099,14 +3801,23 @@
         </p:nvSpPr>
         <p:spPr>
           <a:xfrm>
-            <a:off x="839788" y="2057400"/>
-            <a:ext cx="3932237" cy="3811588"/>
+            <a:off x="723900" y="2855968"/>
+            <a:ext cx="3855720" cy="3011432"/>
           </a:xfrm>
         </p:spPr>
         <p:txBody>
           <a:bodyPr/>
           <a:lstStyle>
             <a:lvl1pPr marL="0" indent="0">
+              <a:lnSpc>
+                <a:spcPct val="113000"/>
+              </a:lnSpc>
+              <a:spcBef>
+                <a:spcPts val="0"/>
+              </a:spcBef>
+              <a:spcAft>
+                <a:spcPts val="1500"/>
+              </a:spcAft>
               <a:buNone/>
               <a:defRPr sz="1600"/>
             </a:lvl1pPr>
@@ -3147,7 +3858,7 @@
             <a:pPr lvl="0"/>
             <a:r>
               <a:rPr lang="en-US"/>
-              <a:t>Edit Master text styles</a:t>
+              <a:t>Click to edit Master text styles</a:t>
             </a:r>
           </a:p>
         </p:txBody>
@@ -3162,14 +3873,27 @@
             <p:ph type="dt" sz="half" idx="10"/>
           </p:nvPr>
         </p:nvSpPr>
-        <p:spPr/>
-        <p:txBody>
-          <a:bodyPr/>
-          <a:lstStyle/>
+        <p:spPr>
+          <a:xfrm>
+            <a:off x="723900" y="6453386"/>
+            <a:ext cx="1204572" cy="404614"/>
+          </a:xfrm>
+        </p:spPr>
+        <p:txBody>
+          <a:bodyPr/>
+          <a:lstStyle>
+            <a:lvl1pPr>
+              <a:defRPr>
+                <a:solidFill>
+                  <a:schemeClr val="tx2"/>
+                </a:solidFill>
+              </a:defRPr>
+            </a:lvl1pPr>
+          </a:lstStyle>
           <a:p>
             <a:fld id="{B4AC1540-130D-412D-848A-3E8539D07D89}" type="datetimeFigureOut">
               <a:rPr lang="en-US" smtClean="0"/>
-              <a:t>12/8/19</a:t>
+              <a:t>12/9/19</a:t>
             </a:fld>
             <a:endParaRPr lang="en-US"/>
           </a:p>
@@ -3185,10 +3909,23 @@
             <p:ph type="ftr" sz="quarter" idx="11"/>
           </p:nvPr>
         </p:nvSpPr>
-        <p:spPr/>
-        <p:txBody>
-          <a:bodyPr/>
-          <a:lstStyle/>
+        <p:spPr>
+          <a:xfrm>
+            <a:off x="2205945" y="6453386"/>
+            <a:ext cx="2373675" cy="404614"/>
+          </a:xfrm>
+        </p:spPr>
+        <p:txBody>
+          <a:bodyPr/>
+          <a:lstStyle>
+            <a:lvl1pPr>
+              <a:defRPr>
+                <a:solidFill>
+                  <a:schemeClr val="tx2"/>
+                </a:solidFill>
+              </a:defRPr>
+            </a:lvl1pPr>
+          </a:lstStyle>
           <a:p>
             <a:endParaRPr lang="en-US"/>
           </a:p>
@@ -3204,10 +3941,23 @@
             <p:ph type="sldNum" sz="quarter" idx="12"/>
           </p:nvPr>
         </p:nvSpPr>
-        <p:spPr/>
-        <p:txBody>
-          <a:bodyPr/>
-          <a:lstStyle/>
+        <p:spPr>
+          <a:xfrm>
+            <a:off x="9883140" y="6453386"/>
+            <a:ext cx="1596292" cy="404614"/>
+          </a:xfrm>
+        </p:spPr>
+        <p:txBody>
+          <a:bodyPr/>
+          <a:lstStyle>
+            <a:lvl1pPr>
+              <a:defRPr>
+                <a:solidFill>
+                  <a:schemeClr val="tx2"/>
+                </a:solidFill>
+              </a:defRPr>
+            </a:lvl1pPr>
+          </a:lstStyle>
           <a:p>
             <a:fld id="{2D310C58-88BF-4360-B0E6-AEF3A903DF48}" type="slidenum">
               <a:rPr lang="en-US" smtClean="0"/>
@@ -3217,10 +3967,48 @@
           </a:p>
         </p:txBody>
       </p:sp>
+      <p:sp>
+        <p:nvSpPr>
+          <p:cNvPr id="9" name="Rectangle 8" title="Divider Bar"/>
+          <p:cNvSpPr/>
+          <p:nvPr/>
+        </p:nvSpPr>
+        <p:spPr>
+          <a:xfrm>
+            <a:off x="5303520" y="376"/>
+            <a:ext cx="228600" cy="6858000"/>
+          </a:xfrm>
+          <a:prstGeom prst="rect">
+            <a:avLst/>
+          </a:prstGeom>
+          <a:solidFill>
+            <a:schemeClr val="tx2"/>
+          </a:solidFill>
+          <a:ln>
+            <a:noFill/>
+          </a:ln>
+        </p:spPr>
+        <p:style>
+          <a:lnRef idx="2">
+            <a:schemeClr val="accent1">
+              <a:shade val="50000"/>
+            </a:schemeClr>
+          </a:lnRef>
+          <a:fillRef idx="1">
+            <a:schemeClr val="accent1"/>
+          </a:fillRef>
+          <a:effectRef idx="0">
+            <a:schemeClr val="accent1"/>
+          </a:effectRef>
+          <a:fontRef idx="minor">
+            <a:schemeClr val="lt1"/>
+          </a:fontRef>
+        </p:style>
+      </p:sp>
     </p:spTree>
     <p:extLst>
       <p:ext uri="{BB962C8B-B14F-4D97-AF65-F5344CB8AC3E}">
-        <p14:creationId xmlns:p14="http://schemas.microsoft.com/office/powerpoint/2010/main" val="3575447676"/>
+        <p14:creationId xmlns:p14="http://schemas.microsoft.com/office/powerpoint/2010/main" val="1287525097"/>
       </p:ext>
     </p:extLst>
   </p:cSld>
@@ -3234,9 +4022,12 @@
 <p:sldMaster xmlns:a="http://schemas.openxmlformats.org/drawingml/2006/main" xmlns:r="http://schemas.openxmlformats.org/officeDocument/2006/relationships" xmlns:p="http://schemas.openxmlformats.org/presentationml/2006/main">
   <p:cSld>
     <p:bg>
-      <p:bgRef idx="1001">
-        <a:schemeClr val="bg1"/>
-      </p:bgRef>
+      <p:bgPr>
+        <a:solidFill>
+          <a:schemeClr val="bg2"/>
+        </a:solidFill>
+        <a:effectLst/>
+      </p:bgPr>
     </p:bg>
     <p:spTree>
       <p:nvGrpSpPr>
@@ -3264,15 +4055,15 @@
         </p:nvSpPr>
         <p:spPr>
           <a:xfrm>
-            <a:off x="838200" y="365125"/>
-            <a:ext cx="10515600" cy="1325563"/>
+            <a:off x="1371600" y="685800"/>
+            <a:ext cx="9601200" cy="1485900"/>
           </a:xfrm>
           <a:prstGeom prst="rect">
             <a:avLst/>
           </a:prstGeom>
         </p:spPr>
         <p:txBody>
-          <a:bodyPr vert="horz" lIns="91440" tIns="45720" rIns="91440" bIns="45720" rtlCol="0" anchor="ctr">
+          <a:bodyPr vert="horz" lIns="91440" tIns="45720" rIns="91440" bIns="45720" rtlCol="0" anchor="t">
             <a:normAutofit/>
           </a:bodyPr>
           <a:lstStyle/>
@@ -3281,6 +4072,7 @@
               <a:rPr lang="en-US"/>
               <a:t>Click to edit Master title style</a:t>
             </a:r>
+            <a:endParaRPr lang="en-US" dirty="0"/>
           </a:p>
         </p:txBody>
       </p:sp>
@@ -3296,8 +4088,8 @@
         </p:nvSpPr>
         <p:spPr>
           <a:xfrm>
-            <a:off x="838200" y="1825625"/>
-            <a:ext cx="10515600" cy="4351338"/>
+            <a:off x="1371600" y="2286000"/>
+            <a:ext cx="9601200" cy="3581400"/>
           </a:xfrm>
           <a:prstGeom prst="rect">
             <a:avLst/>
@@ -3312,7 +4104,7 @@
             <a:pPr lvl="0"/>
             <a:r>
               <a:rPr lang="en-US"/>
-              <a:t>Edit Master text styles</a:t>
+              <a:t>Click to edit Master text styles</a:t>
             </a:r>
           </a:p>
           <a:p>
@@ -3342,6 +4134,7 @@
               <a:rPr lang="en-US"/>
               <a:t>Fifth level</a:t>
             </a:r>
+            <a:endParaRPr lang="en-US" dirty="0"/>
           </a:p>
         </p:txBody>
       </p:sp>
@@ -3357,8 +4150,8 @@
         </p:nvSpPr>
         <p:spPr>
           <a:xfrm>
-            <a:off x="838200" y="6356350"/>
-            <a:ext cx="2743200" cy="365125"/>
+            <a:off x="1390650" y="6453386"/>
+            <a:ext cx="1204572" cy="404614"/>
           </a:xfrm>
           <a:prstGeom prst="rect">
             <a:avLst/>
@@ -3368,11 +4161,9 @@
           <a:bodyPr vert="horz" lIns="91440" tIns="45720" rIns="91440" bIns="45720" rtlCol="0" anchor="ctr"/>
           <a:lstStyle>
             <a:lvl1pPr algn="l">
-              <a:defRPr sz="1200">
+              <a:defRPr sz="1200" baseline="0">
                 <a:solidFill>
-                  <a:schemeClr val="tx1">
-                    <a:tint val="75000"/>
-                  </a:schemeClr>
+                  <a:schemeClr val="tx2"/>
                 </a:solidFill>
               </a:defRPr>
             </a:lvl1pPr>
@@ -3380,7 +4171,7 @@
           <a:p>
             <a:fld id="{B4AC1540-130D-412D-848A-3E8539D07D89}" type="datetimeFigureOut">
               <a:rPr lang="en-US" smtClean="0"/>
-              <a:t>12/8/19</a:t>
+              <a:t>12/9/19</a:t>
             </a:fld>
             <a:endParaRPr lang="en-US"/>
           </a:p>
@@ -3398,8 +4189,8 @@
         </p:nvSpPr>
         <p:spPr>
           <a:xfrm>
-            <a:off x="4038600" y="6356350"/>
-            <a:ext cx="4114800" cy="365125"/>
+            <a:off x="2893564" y="6453386"/>
+            <a:ext cx="6280830" cy="404614"/>
           </a:xfrm>
           <a:prstGeom prst="rect">
             <a:avLst/>
@@ -3408,12 +4199,10 @@
         <p:txBody>
           <a:bodyPr vert="horz" lIns="91440" tIns="45720" rIns="91440" bIns="45720" rtlCol="0" anchor="ctr"/>
           <a:lstStyle>
-            <a:lvl1pPr algn="ctr">
-              <a:defRPr sz="1200">
+            <a:lvl1pPr algn="l">
+              <a:defRPr sz="1200" baseline="0">
                 <a:solidFill>
-                  <a:schemeClr val="tx1">
-                    <a:tint val="75000"/>
-                  </a:schemeClr>
+                  <a:schemeClr val="tx2"/>
                 </a:solidFill>
               </a:defRPr>
             </a:lvl1pPr>
@@ -3435,8 +4224,8 @@
         </p:nvSpPr>
         <p:spPr>
           <a:xfrm>
-            <a:off x="8610600" y="6356350"/>
-            <a:ext cx="2743200" cy="365125"/>
+            <a:off x="9472736" y="6453386"/>
+            <a:ext cx="1596292" cy="404614"/>
           </a:xfrm>
           <a:prstGeom prst="rect">
             <a:avLst/>
@@ -3446,11 +4235,9 @@
           <a:bodyPr vert="horz" lIns="91440" tIns="45720" rIns="91440" bIns="45720" rtlCol="0" anchor="ctr"/>
           <a:lstStyle>
             <a:lvl1pPr algn="r">
-              <a:defRPr sz="1200">
+              <a:defRPr sz="1200" baseline="0">
                 <a:solidFill>
-                  <a:schemeClr val="tx1">
-                    <a:tint val="75000"/>
-                  </a:schemeClr>
+                  <a:schemeClr val="tx2"/>
                 </a:solidFill>
               </a:defRPr>
             </a:lvl1pPr>
@@ -3464,40 +4251,78 @@
           </a:p>
         </p:txBody>
       </p:sp>
+      <p:sp>
+        <p:nvSpPr>
+          <p:cNvPr id="9" name="Rectangle 8" title="Side bar"/>
+          <p:cNvSpPr/>
+          <p:nvPr/>
+        </p:nvSpPr>
+        <p:spPr>
+          <a:xfrm>
+            <a:off x="478095" y="376"/>
+            <a:ext cx="228600" cy="6858000"/>
+          </a:xfrm>
+          <a:prstGeom prst="rect">
+            <a:avLst/>
+          </a:prstGeom>
+          <a:solidFill>
+            <a:schemeClr val="tx2"/>
+          </a:solidFill>
+          <a:ln>
+            <a:noFill/>
+          </a:ln>
+        </p:spPr>
+        <p:style>
+          <a:lnRef idx="2">
+            <a:schemeClr val="accent1">
+              <a:shade val="50000"/>
+            </a:schemeClr>
+          </a:lnRef>
+          <a:fillRef idx="1">
+            <a:schemeClr val="accent1"/>
+          </a:fillRef>
+          <a:effectRef idx="0">
+            <a:schemeClr val="accent1"/>
+          </a:effectRef>
+          <a:fontRef idx="minor">
+            <a:schemeClr val="lt1"/>
+          </a:fontRef>
+        </p:style>
+      </p:sp>
     </p:spTree>
     <p:extLst>
       <p:ext uri="{BB962C8B-B14F-4D97-AF65-F5344CB8AC3E}">
-        <p14:creationId xmlns:p14="http://schemas.microsoft.com/office/powerpoint/2010/main" val="3384276015"/>
+        <p14:creationId xmlns:p14="http://schemas.microsoft.com/office/powerpoint/2010/main" val="3025873264"/>
       </p:ext>
     </p:extLst>
   </p:cSld>
   <p:clrMap bg1="lt1" tx1="dk1" bg2="lt2" tx2="dk2" accent1="accent1" accent2="accent2" accent3="accent3" accent4="accent4" accent5="accent5" accent6="accent6" hlink="hlink" folHlink="folHlink"/>
   <p:sldLayoutIdLst>
-    <p:sldLayoutId id="2147483649" r:id="rId1"/>
-    <p:sldLayoutId id="2147483650" r:id="rId2"/>
-    <p:sldLayoutId id="2147483651" r:id="rId3"/>
-    <p:sldLayoutId id="2147483652" r:id="rId4"/>
-    <p:sldLayoutId id="2147483653" r:id="rId5"/>
-    <p:sldLayoutId id="2147483654" r:id="rId6"/>
-    <p:sldLayoutId id="2147483655" r:id="rId7"/>
-    <p:sldLayoutId id="2147483656" r:id="rId8"/>
-    <p:sldLayoutId id="2147483657" r:id="rId9"/>
-    <p:sldLayoutId id="2147483658" r:id="rId10"/>
-    <p:sldLayoutId id="2147483659" r:id="rId11"/>
+    <p:sldLayoutId id="2147483673" r:id="rId1"/>
+    <p:sldLayoutId id="2147483674" r:id="rId2"/>
+    <p:sldLayoutId id="2147483675" r:id="rId3"/>
+    <p:sldLayoutId id="2147483676" r:id="rId4"/>
+    <p:sldLayoutId id="2147483677" r:id="rId5"/>
+    <p:sldLayoutId id="2147483678" r:id="rId6"/>
+    <p:sldLayoutId id="2147483679" r:id="rId7"/>
+    <p:sldLayoutId id="2147483680" r:id="rId8"/>
+    <p:sldLayoutId id="2147483681" r:id="rId9"/>
+    <p:sldLayoutId id="2147483682" r:id="rId10"/>
+    <p:sldLayoutId id="2147483683" r:id="rId11"/>
   </p:sldLayoutIdLst>
   <p:txStyles>
     <p:titleStyle>
       <a:lvl1pPr algn="l" defTabSz="914400" rtl="0" eaLnBrk="1" latinLnBrk="0" hangingPunct="1">
         <a:lnSpc>
-          <a:spcPct val="90000"/>
+          <a:spcPct val="89000"/>
         </a:lnSpc>
         <a:spcBef>
           <a:spcPct val="0"/>
         </a:spcBef>
         <a:buNone/>
-        <a:defRPr sz="4400" kern="1200">
+        <a:defRPr sz="4400" kern="1200" baseline="0">
           <a:solidFill>
-            <a:schemeClr val="tx1"/>
+            <a:schemeClr val="tx2"/>
           </a:solidFill>
           <a:latin typeface="+mj-lt"/>
           <a:ea typeface="+mj-ea"/>
@@ -3506,162 +4331,189 @@
       </a:lvl1pPr>
     </p:titleStyle>
     <p:bodyStyle>
-      <a:lvl1pPr marL="228600" indent="-228600" algn="l" defTabSz="914400" rtl="0" eaLnBrk="1" latinLnBrk="0" hangingPunct="1">
+      <a:lvl1pPr marL="384048" indent="-384048" algn="l" defTabSz="914400" rtl="0" eaLnBrk="1" latinLnBrk="0" hangingPunct="1">
         <a:lnSpc>
-          <a:spcPct val="90000"/>
+          <a:spcPct val="94000"/>
         </a:lnSpc>
         <a:spcBef>
           <a:spcPts val="1000"/>
         </a:spcBef>
-        <a:buFont typeface="Arial" panose="020B0604020202020204" pitchFamily="34" charset="0"/>
-        <a:buChar char="•"/>
-        <a:defRPr sz="2800" kern="1200">
+        <a:spcAft>
+          <a:spcPts val="200"/>
+        </a:spcAft>
+        <a:buFont typeface="Franklin Gothic Book" panose="020B0503020102020204" pitchFamily="34" charset="0"/>
+        <a:buChar char="■"/>
+        <a:defRPr sz="2000" kern="1200" baseline="0">
           <a:solidFill>
-            <a:schemeClr val="tx1"/>
+            <a:schemeClr val="tx2"/>
           </a:solidFill>
           <a:latin typeface="+mn-lt"/>
           <a:ea typeface="+mn-ea"/>
           <a:cs typeface="+mn-cs"/>
         </a:defRPr>
       </a:lvl1pPr>
-      <a:lvl2pPr marL="685800" indent="-228600" algn="l" defTabSz="914400" rtl="0" eaLnBrk="1" latinLnBrk="0" hangingPunct="1">
+      <a:lvl2pPr marL="914400" indent="-384048" algn="l" defTabSz="914400" rtl="0" eaLnBrk="1" latinLnBrk="0" hangingPunct="1">
         <a:lnSpc>
-          <a:spcPct val="90000"/>
+          <a:spcPct val="94000"/>
         </a:lnSpc>
         <a:spcBef>
           <a:spcPts val="500"/>
         </a:spcBef>
-        <a:buFont typeface="Arial" panose="020B0604020202020204" pitchFamily="34" charset="0"/>
-        <a:buChar char="•"/>
-        <a:defRPr sz="2400" kern="1200">
+        <a:spcAft>
+          <a:spcPts val="200"/>
+        </a:spcAft>
+        <a:buFont typeface="Franklin Gothic Book" panose="020B0503020102020204" pitchFamily="34" charset="0"/>
+        <a:buChar char="–"/>
+        <a:defRPr sz="2000" i="1" kern="1200" baseline="0">
           <a:solidFill>
-            <a:schemeClr val="tx1"/>
+            <a:schemeClr val="tx2"/>
           </a:solidFill>
           <a:latin typeface="+mn-lt"/>
           <a:ea typeface="+mn-ea"/>
           <a:cs typeface="+mn-cs"/>
         </a:defRPr>
       </a:lvl2pPr>
-      <a:lvl3pPr marL="1143000" indent="-228600" algn="l" defTabSz="914400" rtl="0" eaLnBrk="1" latinLnBrk="0" hangingPunct="1">
+      <a:lvl3pPr marL="1371600" indent="-384048" algn="l" defTabSz="914400" rtl="0" eaLnBrk="1" latinLnBrk="0" hangingPunct="1">
         <a:lnSpc>
-          <a:spcPct val="90000"/>
+          <a:spcPct val="94000"/>
         </a:lnSpc>
         <a:spcBef>
           <a:spcPts val="500"/>
         </a:spcBef>
-        <a:buFont typeface="Arial" panose="020B0604020202020204" pitchFamily="34" charset="0"/>
-        <a:buChar char="•"/>
-        <a:defRPr sz="2000" kern="1200">
+        <a:spcAft>
+          <a:spcPts val="200"/>
+        </a:spcAft>
+        <a:buFont typeface="Franklin Gothic Book" panose="020B0503020102020204" pitchFamily="34" charset="0"/>
+        <a:buChar char="■"/>
+        <a:defRPr sz="1800" kern="1200" baseline="0">
           <a:solidFill>
-            <a:schemeClr val="tx1"/>
+            <a:schemeClr val="tx2"/>
           </a:solidFill>
           <a:latin typeface="+mn-lt"/>
           <a:ea typeface="+mn-ea"/>
           <a:cs typeface="+mn-cs"/>
         </a:defRPr>
       </a:lvl3pPr>
-      <a:lvl4pPr marL="1600200" indent="-228600" algn="l" defTabSz="914400" rtl="0" eaLnBrk="1" latinLnBrk="0" hangingPunct="1">
+      <a:lvl4pPr marL="1828800" indent="-384048" algn="l" defTabSz="914400" rtl="0" eaLnBrk="1" latinLnBrk="0" hangingPunct="1">
         <a:lnSpc>
-          <a:spcPct val="90000"/>
+          <a:spcPct val="94000"/>
         </a:lnSpc>
         <a:spcBef>
           <a:spcPts val="500"/>
         </a:spcBef>
-        <a:buFont typeface="Arial" panose="020B0604020202020204" pitchFamily="34" charset="0"/>
-        <a:buChar char="•"/>
-        <a:defRPr sz="1800" kern="1200">
+        <a:spcAft>
+          <a:spcPts val="200"/>
+        </a:spcAft>
+        <a:buFont typeface="Franklin Gothic Book" panose="020B0503020102020204" pitchFamily="34" charset="0"/>
+        <a:buChar char="–"/>
+        <a:defRPr sz="1800" i="1" kern="1200" baseline="0">
           <a:solidFill>
-            <a:schemeClr val="tx1"/>
+            <a:schemeClr val="tx2"/>
           </a:solidFill>
           <a:latin typeface="+mn-lt"/>
           <a:ea typeface="+mn-ea"/>
           <a:cs typeface="+mn-cs"/>
         </a:defRPr>
       </a:lvl4pPr>
-      <a:lvl5pPr marL="2057400" indent="-228600" algn="l" defTabSz="914400" rtl="0" eaLnBrk="1" latinLnBrk="0" hangingPunct="1">
+      <a:lvl5pPr marL="2286000" indent="-384048" algn="l" defTabSz="914400" rtl="0" eaLnBrk="1" latinLnBrk="0" hangingPunct="1">
         <a:lnSpc>
-          <a:spcPct val="90000"/>
+          <a:spcPct val="94000"/>
         </a:lnSpc>
         <a:spcBef>
           <a:spcPts val="500"/>
         </a:spcBef>
-        <a:buFont typeface="Arial" panose="020B0604020202020204" pitchFamily="34" charset="0"/>
-        <a:buChar char="•"/>
-        <a:defRPr sz="1800" kern="1200">
+        <a:spcAft>
+          <a:spcPts val="200"/>
+        </a:spcAft>
+        <a:buFont typeface="Franklin Gothic Book" panose="020B0503020102020204" pitchFamily="34" charset="0"/>
+        <a:buChar char="■"/>
+        <a:defRPr sz="1600" kern="1200" baseline="0">
           <a:solidFill>
-            <a:schemeClr val="tx1"/>
+            <a:schemeClr val="tx2"/>
           </a:solidFill>
           <a:latin typeface="+mn-lt"/>
           <a:ea typeface="+mn-ea"/>
           <a:cs typeface="+mn-cs"/>
         </a:defRPr>
       </a:lvl5pPr>
-      <a:lvl6pPr marL="2514600" indent="-228600" algn="l" defTabSz="914400" rtl="0" eaLnBrk="1" latinLnBrk="0" hangingPunct="1">
+      <a:lvl6pPr marL="2743200" indent="-384048" algn="l" defTabSz="914400" rtl="0" eaLnBrk="1" latinLnBrk="0" hangingPunct="1">
         <a:lnSpc>
-          <a:spcPct val="90000"/>
+          <a:spcPct val="94000"/>
         </a:lnSpc>
         <a:spcBef>
           <a:spcPts val="500"/>
         </a:spcBef>
-        <a:buFont typeface="Arial" panose="020B0604020202020204" pitchFamily="34" charset="0"/>
-        <a:buChar char="•"/>
-        <a:defRPr sz="1800" kern="1200">
+        <a:spcAft>
+          <a:spcPts val="200"/>
+        </a:spcAft>
+        <a:buFont typeface="Franklin Gothic Book" panose="020B0503020102020204" pitchFamily="34" charset="0"/>
+        <a:buChar char="–"/>
+        <a:defRPr sz="1600" i="1" kern="1200" baseline="0">
           <a:solidFill>
-            <a:schemeClr val="tx1"/>
+            <a:schemeClr val="tx2"/>
           </a:solidFill>
           <a:latin typeface="+mn-lt"/>
           <a:ea typeface="+mn-ea"/>
           <a:cs typeface="+mn-cs"/>
         </a:defRPr>
       </a:lvl6pPr>
-      <a:lvl7pPr marL="2971800" indent="-228600" algn="l" defTabSz="914400" rtl="0" eaLnBrk="1" latinLnBrk="0" hangingPunct="1">
+      <a:lvl7pPr marL="3200400" indent="-384048" algn="l" defTabSz="914400" rtl="0" eaLnBrk="1" latinLnBrk="0" hangingPunct="1">
         <a:lnSpc>
-          <a:spcPct val="90000"/>
+          <a:spcPct val="94000"/>
         </a:lnSpc>
         <a:spcBef>
           <a:spcPts val="500"/>
         </a:spcBef>
-        <a:buFont typeface="Arial" panose="020B0604020202020204" pitchFamily="34" charset="0"/>
-        <a:buChar char="•"/>
-        <a:defRPr sz="1800" kern="1200">
+        <a:spcAft>
+          <a:spcPts val="200"/>
+        </a:spcAft>
+        <a:buFont typeface="Franklin Gothic Book" panose="020B0503020102020204" pitchFamily="34" charset="0"/>
+        <a:buChar char="■"/>
+        <a:defRPr sz="1400" kern="1200" baseline="0">
           <a:solidFill>
-            <a:schemeClr val="tx1"/>
+            <a:schemeClr val="tx2"/>
           </a:solidFill>
           <a:latin typeface="+mn-lt"/>
           <a:ea typeface="+mn-ea"/>
           <a:cs typeface="+mn-cs"/>
         </a:defRPr>
       </a:lvl7pPr>
-      <a:lvl8pPr marL="3429000" indent="-228600" algn="l" defTabSz="914400" rtl="0" eaLnBrk="1" latinLnBrk="0" hangingPunct="1">
+      <a:lvl8pPr marL="3657600" indent="-384048" algn="l" defTabSz="914400" rtl="0" eaLnBrk="1" latinLnBrk="0" hangingPunct="1">
         <a:lnSpc>
-          <a:spcPct val="90000"/>
+          <a:spcPct val="94000"/>
         </a:lnSpc>
         <a:spcBef>
           <a:spcPts val="500"/>
         </a:spcBef>
-        <a:buFont typeface="Arial" panose="020B0604020202020204" pitchFamily="34" charset="0"/>
-        <a:buChar char="•"/>
-        <a:defRPr sz="1800" kern="1200">
+        <a:spcAft>
+          <a:spcPts val="200"/>
+        </a:spcAft>
+        <a:buFont typeface="Franklin Gothic Book" panose="020B0503020102020204" pitchFamily="34" charset="0"/>
+        <a:buChar char="–"/>
+        <a:defRPr sz="1400" i="1" kern="1200" baseline="0">
           <a:solidFill>
-            <a:schemeClr val="tx1"/>
+            <a:schemeClr val="tx2"/>
           </a:solidFill>
           <a:latin typeface="+mn-lt"/>
           <a:ea typeface="+mn-ea"/>
           <a:cs typeface="+mn-cs"/>
         </a:defRPr>
       </a:lvl8pPr>
-      <a:lvl9pPr marL="3886200" indent="-228600" algn="l" defTabSz="914400" rtl="0" eaLnBrk="1" latinLnBrk="0" hangingPunct="1">
+      <a:lvl9pPr marL="4114800" indent="-384048" algn="l" defTabSz="914400" rtl="0" eaLnBrk="1" latinLnBrk="0" hangingPunct="1">
         <a:lnSpc>
-          <a:spcPct val="90000"/>
+          <a:spcPct val="94000"/>
         </a:lnSpc>
         <a:spcBef>
           <a:spcPts val="500"/>
         </a:spcBef>
-        <a:buFont typeface="Arial" panose="020B0604020202020204" pitchFamily="34" charset="0"/>
-        <a:buChar char="•"/>
-        <a:defRPr sz="1800" kern="1200">
+        <a:spcAft>
+          <a:spcPts val="200"/>
+        </a:spcAft>
+        <a:buFont typeface="Franklin Gothic Book" panose="020B0503020102020204" pitchFamily="34" charset="0"/>
+        <a:buChar char="■"/>
+        <a:defRPr sz="1400" kern="1200" baseline="0">
           <a:solidFill>
-            <a:schemeClr val="tx1"/>
+            <a:schemeClr val="tx2"/>
           </a:solidFill>
           <a:latin typeface="+mn-lt"/>
           <a:ea typeface="+mn-ea"/>
@@ -3765,6 +4617,52 @@
       </a:lvl9pPr>
     </p:otherStyle>
   </p:txStyles>
+  <p:extLst>
+    <p:ext uri="{27BBF7A9-308A-43DC-89C8-2F10F3537804}">
+      <p15:sldGuideLst xmlns:p15="http://schemas.microsoft.com/office/powerpoint/2012/main">
+        <p15:guide id="3" orient="horz" pos="1368">
+          <p15:clr>
+            <a:srgbClr val="F26B43"/>
+          </p15:clr>
+        </p15:guide>
+        <p15:guide id="4" orient="horz" pos="1440">
+          <p15:clr>
+            <a:srgbClr val="F26B43"/>
+          </p15:clr>
+        </p15:guide>
+        <p15:guide id="6" orient="horz" pos="3696">
+          <p15:clr>
+            <a:srgbClr val="F26B43"/>
+          </p15:clr>
+        </p15:guide>
+        <p15:guide id="7" orient="horz" pos="432">
+          <p15:clr>
+            <a:srgbClr val="F26B43"/>
+          </p15:clr>
+        </p15:guide>
+        <p15:guide id="8" orient="horz" pos="1512">
+          <p15:clr>
+            <a:srgbClr val="F26B43"/>
+          </p15:clr>
+        </p15:guide>
+        <p15:guide id="9" pos="6912">
+          <p15:clr>
+            <a:srgbClr val="F26B43"/>
+          </p15:clr>
+        </p15:guide>
+        <p15:guide id="10" pos="936">
+          <p15:clr>
+            <a:srgbClr val="F26B43"/>
+          </p15:clr>
+        </p15:guide>
+        <p15:guide id="11" pos="864">
+          <p15:clr>
+            <a:srgbClr val="F26B43"/>
+          </p15:clr>
+        </p15:guide>
+      </p15:sldGuideLst>
+    </p:ext>
+  </p:extLst>
 </p:sldMaster>
 </file>
 
@@ -3819,7 +4717,9 @@
         </p:nvSpPr>
         <p:spPr/>
         <p:txBody>
-          <a:bodyPr/>
+          <a:bodyPr>
+            <a:normAutofit/>
+          </a:bodyPr>
           <a:lstStyle/>
           <a:p>
             <a:r>
@@ -4546,9 +5446,9 @@
 </file>
 
 <file path=ppt/theme/theme1.xml><?xml version="1.0" encoding="utf-8"?>
-<a:theme xmlns:a="http://schemas.openxmlformats.org/drawingml/2006/main" name="Office Theme">
+<a:theme xmlns:a="http://schemas.openxmlformats.org/drawingml/2006/main" name="Crop">
   <a:themeElements>
-    <a:clrScheme name="Office">
+    <a:clrScheme name="Crop">
       <a:dk1>
         <a:sysClr val="windowText" lastClr="000000"/>
       </a:dk1>
@@ -4556,83 +5456,48 @@
         <a:sysClr val="window" lastClr="FFFFFF"/>
       </a:lt1>
       <a:dk2>
-        <a:srgbClr val="44546A"/>
+        <a:srgbClr val="191B0E"/>
       </a:dk2>
       <a:lt2>
-        <a:srgbClr val="E7E6E6"/>
+        <a:srgbClr val="EFEDE3"/>
       </a:lt2>
       <a:accent1>
-        <a:srgbClr val="5B9BD5"/>
+        <a:srgbClr val="8C8D86"/>
       </a:accent1>
       <a:accent2>
-        <a:srgbClr val="ED7D31"/>
+        <a:srgbClr val="E6C069"/>
       </a:accent2>
       <a:accent3>
-        <a:srgbClr val="A5A5A5"/>
+        <a:srgbClr val="897B61"/>
       </a:accent3>
       <a:accent4>
-        <a:srgbClr val="FFC000"/>
+        <a:srgbClr val="8DAB8E"/>
       </a:accent4>
       <a:accent5>
-        <a:srgbClr val="4472C4"/>
+        <a:srgbClr val="77A2BB"/>
       </a:accent5>
       <a:accent6>
-        <a:srgbClr val="70AD47"/>
+        <a:srgbClr val="E28394"/>
       </a:accent6>
       <a:hlink>
-        <a:srgbClr val="0563C1"/>
+        <a:srgbClr val="77A2BB"/>
       </a:hlink>
       <a:folHlink>
-        <a:srgbClr val="954F72"/>
+        <a:srgbClr val="957A99"/>
       </a:folHlink>
     </a:clrScheme>
-    <a:fontScheme name="Office">
+    <a:fontScheme name="Crop">
       <a:majorFont>
-        <a:latin typeface="Calibri Light" panose="020F0302020204030204"/>
+        <a:latin typeface="Franklin Gothic Book" panose="020B0503020102020204"/>
         <a:ea typeface=""/>
         <a:cs typeface=""/>
-        <a:font script="Jpan" typeface="游ゴシック Light"/>
-        <a:font script="Hang" typeface="맑은 고딕"/>
-        <a:font script="Hans" typeface="等线 Light"/>
-        <a:font script="Hant" typeface="新細明體"/>
-        <a:font script="Arab" typeface="Times New Roman"/>
-        <a:font script="Hebr" typeface="Times New Roman"/>
-        <a:font script="Thai" typeface="Angsana New"/>
-        <a:font script="Ethi" typeface="Nyala"/>
-        <a:font script="Beng" typeface="Vrinda"/>
-        <a:font script="Gujr" typeface="Shruti"/>
-        <a:font script="Khmr" typeface="MoolBoran"/>
-        <a:font script="Knda" typeface="Tunga"/>
-        <a:font script="Guru" typeface="Raavi"/>
-        <a:font script="Cans" typeface="Euphemia"/>
-        <a:font script="Cher" typeface="Plantagenet Cherokee"/>
-        <a:font script="Yiii" typeface="Microsoft Yi Baiti"/>
-        <a:font script="Tibt" typeface="Microsoft Himalaya"/>
-        <a:font script="Thaa" typeface="MV Boli"/>
-        <a:font script="Deva" typeface="Mangal"/>
-        <a:font script="Telu" typeface="Gautami"/>
-        <a:font script="Taml" typeface="Latha"/>
-        <a:font script="Syrc" typeface="Estrangelo Edessa"/>
-        <a:font script="Orya" typeface="Kalinga"/>
-        <a:font script="Mlym" typeface="Kartika"/>
-        <a:font script="Laoo" typeface="DokChampa"/>
-        <a:font script="Sinh" typeface="Iskoola Pota"/>
-        <a:font script="Mong" typeface="Mongolian Baiti"/>
-        <a:font script="Viet" typeface="Times New Roman"/>
-        <a:font script="Uigh" typeface="Microsoft Uighur"/>
-        <a:font script="Geor" typeface="Sylfaen"/>
-      </a:majorFont>
-      <a:minorFont>
-        <a:latin typeface="Calibri" panose="020F0502020204030204"/>
-        <a:ea typeface=""/>
-        <a:cs typeface=""/>
-        <a:font script="Jpan" typeface="游ゴシック"/>
-        <a:font script="Hang" typeface="맑은 고딕"/>
-        <a:font script="Hans" typeface="等线"/>
-        <a:font script="Hant" typeface="新細明體"/>
-        <a:font script="Arab" typeface="Arial"/>
-        <a:font script="Hebr" typeface="Arial"/>
-        <a:font script="Thai" typeface="Cordia New"/>
+        <a:font script="Jpan" typeface="メイリオ"/>
+        <a:font script="Hang" typeface="돋움"/>
+        <a:font script="Hans" typeface="华文楷体"/>
+        <a:font script="Hant" typeface="微軟正黑體"/>
+        <a:font script="Arab" typeface="Tahoma"/>
+        <a:font script="Hebr" typeface="Aharoni"/>
+        <a:font script="Thai" typeface="LilyUPC"/>
         <a:font script="Ethi" typeface="Nyala"/>
         <a:font script="Beng" typeface="Vrinda"/>
         <a:font script="Gujr" typeface="Shruti"/>
@@ -4653,12 +5518,47 @@
         <a:font script="Laoo" typeface="DokChampa"/>
         <a:font script="Sinh" typeface="Iskoola Pota"/>
         <a:font script="Mong" typeface="Mongolian Baiti"/>
-        <a:font script="Viet" typeface="Arial"/>
+        <a:font script="Viet" typeface="Tahoma"/>
+        <a:font script="Uigh" typeface="Microsoft Uighur"/>
+        <a:font script="Geor" typeface="Sylfaen"/>
+      </a:majorFont>
+      <a:minorFont>
+        <a:latin typeface="Franklin Gothic Book" panose="020B0503020102020204"/>
+        <a:ea typeface=""/>
+        <a:cs typeface=""/>
+        <a:font script="Jpan" typeface="メイリオ"/>
+        <a:font script="Hang" typeface="돋움"/>
+        <a:font script="Hans" typeface="华文楷体"/>
+        <a:font script="Hant" typeface="微軟正黑體"/>
+        <a:font script="Arab" typeface="Tahoma"/>
+        <a:font script="Hebr" typeface="Aharoni"/>
+        <a:font script="Thai" typeface="LilyUPC"/>
+        <a:font script="Ethi" typeface="Nyala"/>
+        <a:font script="Beng" typeface="Vrinda"/>
+        <a:font script="Gujr" typeface="Shruti"/>
+        <a:font script="Khmr" typeface="DaunPenh"/>
+        <a:font script="Knda" typeface="Tunga"/>
+        <a:font script="Guru" typeface="Raavi"/>
+        <a:font script="Cans" typeface="Euphemia"/>
+        <a:font script="Cher" typeface="Plantagenet Cherokee"/>
+        <a:font script="Yiii" typeface="Microsoft Yi Baiti"/>
+        <a:font script="Tibt" typeface="Microsoft Himalaya"/>
+        <a:font script="Thaa" typeface="MV Boli"/>
+        <a:font script="Deva" typeface="Mangal"/>
+        <a:font script="Telu" typeface="Gautami"/>
+        <a:font script="Taml" typeface="Latha"/>
+        <a:font script="Syrc" typeface="Estrangelo Edessa"/>
+        <a:font script="Orya" typeface="Kalinga"/>
+        <a:font script="Mlym" typeface="Kartika"/>
+        <a:font script="Laoo" typeface="DokChampa"/>
+        <a:font script="Sinh" typeface="Iskoola Pota"/>
+        <a:font script="Mong" typeface="Mongolian Baiti"/>
+        <a:font script="Viet" typeface="Tahoma"/>
         <a:font script="Uigh" typeface="Microsoft Uighur"/>
         <a:font script="Geor" typeface="Sylfaen"/>
       </a:minorFont>
     </a:fontScheme>
-    <a:fmtScheme name="Office">
+    <a:fmtScheme name="Crop">
       <a:fillStyleLst>
         <a:solidFill>
           <a:schemeClr val="phClr"/>
@@ -4667,23 +5567,23 @@
           <a:gsLst>
             <a:gs pos="0">
               <a:schemeClr val="phClr">
+                <a:tint val="67000"/>
+                <a:satMod val="105000"/>
                 <a:lumMod val="110000"/>
-                <a:satMod val="105000"/>
-                <a:tint val="67000"/>
               </a:schemeClr>
             </a:gs>
             <a:gs pos="50000">
               <a:schemeClr val="phClr">
+                <a:tint val="73000"/>
+                <a:satMod val="103000"/>
                 <a:lumMod val="105000"/>
-                <a:satMod val="103000"/>
-                <a:tint val="73000"/>
               </a:schemeClr>
             </a:gs>
             <a:gs pos="100000">
               <a:schemeClr val="phClr">
+                <a:tint val="81000"/>
+                <a:satMod val="109000"/>
                 <a:lumMod val="105000"/>
-                <a:satMod val="109000"/>
-                <a:tint val="81000"/>
               </a:schemeClr>
             </a:gs>
           </a:gsLst>
@@ -4693,23 +5593,23 @@
           <a:gsLst>
             <a:gs pos="0">
               <a:schemeClr val="phClr">
+                <a:tint val="94000"/>
                 <a:satMod val="103000"/>
                 <a:lumMod val="102000"/>
-                <a:tint val="94000"/>
               </a:schemeClr>
             </a:gs>
             <a:gs pos="50000">
               <a:schemeClr val="phClr">
+                <a:shade val="100000"/>
                 <a:satMod val="110000"/>
                 <a:lumMod val="100000"/>
-                <a:shade val="100000"/>
               </a:schemeClr>
             </a:gs>
             <a:gs pos="100000">
               <a:schemeClr val="phClr">
+                <a:shade val="78000"/>
+                <a:satMod val="120000"/>
                 <a:lumMod val="99000"/>
-                <a:satMod val="120000"/>
-                <a:shade val="78000"/>
               </a:schemeClr>
             </a:gs>
           </a:gsLst>
@@ -4717,26 +5617,23 @@
         </a:gradFill>
       </a:fillStyleLst>
       <a:lnStyleLst>
-        <a:ln w="6350" cap="flat" cmpd="sng" algn="ctr">
+        <a:ln w="6350" cap="flat" cmpd="sng" algn="in">
           <a:solidFill>
             <a:schemeClr val="phClr"/>
           </a:solidFill>
           <a:prstDash val="solid"/>
-          <a:miter lim="800000"/>
         </a:ln>
-        <a:ln w="12700" cap="flat" cmpd="sng" algn="ctr">
+        <a:ln w="34925" cap="flat" cmpd="sng" algn="in">
           <a:solidFill>
             <a:schemeClr val="phClr"/>
           </a:solidFill>
           <a:prstDash val="solid"/>
-          <a:miter lim="800000"/>
         </a:ln>
-        <a:ln w="19050" cap="flat" cmpd="sng" algn="ctr">
+        <a:ln w="19050" cap="flat" cmpd="sng" algn="in">
           <a:solidFill>
             <a:schemeClr val="phClr"/>
           </a:solidFill>
           <a:prstDash val="solid"/>
-          <a:miter lim="800000"/>
         </a:ln>
       </a:lnStyleLst>
       <a:effectStyleLst>
@@ -4750,7 +5647,7 @@
           <a:effectLst>
             <a:outerShdw blurRad="57150" dist="19050" dir="5400000" algn="ctr" rotWithShape="0">
               <a:srgbClr val="000000">
-                <a:alpha val="63000"/>
+                <a:alpha val="35000"/>
               </a:srgbClr>
             </a:outerShdw>
           </a:effectLst>
@@ -4771,16 +5668,16 @@
             <a:gs pos="0">
               <a:schemeClr val="phClr">
                 <a:tint val="93000"/>
+                <a:shade val="98000"/>
                 <a:satMod val="150000"/>
-                <a:shade val="98000"/>
                 <a:lumMod val="102000"/>
               </a:schemeClr>
             </a:gs>
             <a:gs pos="50000">
               <a:schemeClr val="phClr">
                 <a:tint val="98000"/>
+                <a:shade val="90000"/>
                 <a:satMod val="130000"/>
-                <a:shade val="90000"/>
                 <a:lumMod val="103000"/>
               </a:schemeClr>
             </a:gs>
@@ -4800,7 +5697,7 @@
   <a:extraClrSchemeLst/>
   <a:extLst>
     <a:ext uri="{05A4C25C-085E-4340-85A3-A5531E510DB2}">
-      <thm15:themeFamily xmlns:thm15="http://schemas.microsoft.com/office/thememl/2012/main" name="Office Theme" id="{62F939B6-93AF-4DB8-9C6B-D6C7DFDC589F}" vid="{4A3C46E8-61CC-4603-A589-7422A47A8E4A}"/>
+      <thm15:themeFamily xmlns:thm15="http://schemas.microsoft.com/office/thememl/2012/main" name="Crop" id="{EC9488ED-E761-4D60-9AC4-764D1FE2C171}" vid="{CE19780C-D67D-4C13-9DE9-A52BC3BA51B4}"/>
     </a:ext>
   </a:extLst>
 </a:theme>
